--- a/SimpsonsImageDetection_Final Presentation_Merged.pptx
+++ b/SimpsonsImageDetection_Final Presentation_Merged.pptx
@@ -11,44 +11,47 @@
     <p:sldId id="259" r:id="rId5"/>
     <p:sldId id="280" r:id="rId6"/>
     <p:sldId id="257" r:id="rId7"/>
-    <p:sldId id="285" r:id="rId8"/>
-    <p:sldId id="260" r:id="rId9"/>
-    <p:sldId id="282" r:id="rId10"/>
-    <p:sldId id="283" r:id="rId11"/>
-    <p:sldId id="284" r:id="rId12"/>
-    <p:sldId id="261" r:id="rId13"/>
-    <p:sldId id="262" r:id="rId14"/>
-    <p:sldId id="299" r:id="rId15"/>
-    <p:sldId id="263" r:id="rId16"/>
-    <p:sldId id="287" r:id="rId17"/>
-    <p:sldId id="288" r:id="rId18"/>
-    <p:sldId id="289" r:id="rId19"/>
-    <p:sldId id="291" r:id="rId20"/>
-    <p:sldId id="292" r:id="rId21"/>
-    <p:sldId id="264" r:id="rId22"/>
-    <p:sldId id="290" r:id="rId23"/>
-    <p:sldId id="265" r:id="rId24"/>
-    <p:sldId id="300" r:id="rId25"/>
-    <p:sldId id="301" r:id="rId26"/>
-    <p:sldId id="302" r:id="rId27"/>
-    <p:sldId id="303" r:id="rId28"/>
-    <p:sldId id="304" r:id="rId29"/>
-    <p:sldId id="305" r:id="rId30"/>
-    <p:sldId id="266" r:id="rId31"/>
-    <p:sldId id="267" r:id="rId32"/>
-    <p:sldId id="268" r:id="rId33"/>
-    <p:sldId id="269" r:id="rId34"/>
-    <p:sldId id="306" r:id="rId35"/>
-    <p:sldId id="271" r:id="rId36"/>
-    <p:sldId id="272" r:id="rId37"/>
-    <p:sldId id="293" r:id="rId38"/>
-    <p:sldId id="294" r:id="rId39"/>
-    <p:sldId id="295" r:id="rId40"/>
-    <p:sldId id="296" r:id="rId41"/>
-    <p:sldId id="297" r:id="rId42"/>
-    <p:sldId id="298" r:id="rId43"/>
-    <p:sldId id="286" r:id="rId44"/>
-    <p:sldId id="281" r:id="rId45"/>
+    <p:sldId id="308" r:id="rId8"/>
+    <p:sldId id="285" r:id="rId9"/>
+    <p:sldId id="260" r:id="rId10"/>
+    <p:sldId id="282" r:id="rId11"/>
+    <p:sldId id="283" r:id="rId12"/>
+    <p:sldId id="284" r:id="rId13"/>
+    <p:sldId id="261" r:id="rId14"/>
+    <p:sldId id="262" r:id="rId15"/>
+    <p:sldId id="299" r:id="rId16"/>
+    <p:sldId id="263" r:id="rId17"/>
+    <p:sldId id="287" r:id="rId18"/>
+    <p:sldId id="288" r:id="rId19"/>
+    <p:sldId id="289" r:id="rId20"/>
+    <p:sldId id="291" r:id="rId21"/>
+    <p:sldId id="292" r:id="rId22"/>
+    <p:sldId id="264" r:id="rId23"/>
+    <p:sldId id="290" r:id="rId24"/>
+    <p:sldId id="265" r:id="rId25"/>
+    <p:sldId id="300" r:id="rId26"/>
+    <p:sldId id="301" r:id="rId27"/>
+    <p:sldId id="302" r:id="rId28"/>
+    <p:sldId id="303" r:id="rId29"/>
+    <p:sldId id="304" r:id="rId30"/>
+    <p:sldId id="305" r:id="rId31"/>
+    <p:sldId id="266" r:id="rId32"/>
+    <p:sldId id="267" r:id="rId33"/>
+    <p:sldId id="268" r:id="rId34"/>
+    <p:sldId id="269" r:id="rId35"/>
+    <p:sldId id="270" r:id="rId36"/>
+    <p:sldId id="306" r:id="rId37"/>
+    <p:sldId id="271" r:id="rId38"/>
+    <p:sldId id="272" r:id="rId39"/>
+    <p:sldId id="293" r:id="rId40"/>
+    <p:sldId id="307" r:id="rId41"/>
+    <p:sldId id="294" r:id="rId42"/>
+    <p:sldId id="295" r:id="rId43"/>
+    <p:sldId id="296" r:id="rId44"/>
+    <p:sldId id="297" r:id="rId45"/>
+    <p:sldId id="298" r:id="rId46"/>
+    <p:sldId id="286" r:id="rId47"/>
+    <p:sldId id="281" r:id="rId48"/>
   </p:sldIdLst>
   <p:sldSz cx="12192000" cy="6858000"/>
   <p:notesSz cx="6858000" cy="9144000"/>
@@ -154,14 +157,11 @@
           <p14:sldIdLst>
             <p14:sldId id="279"/>
             <p14:sldId id="258"/>
-          </p14:sldIdLst>
-        </p14:section>
-        <p14:section name="Untitled Section" id="{B9D99ED0-710D-4EB1-8845-76A036517CC2}">
-          <p14:sldIdLst>
             <p14:sldId id="256"/>
             <p14:sldId id="259"/>
             <p14:sldId id="280"/>
             <p14:sldId id="257"/>
+            <p14:sldId id="308"/>
             <p14:sldId id="285"/>
             <p14:sldId id="260"/>
             <p14:sldId id="282"/>
@@ -189,10 +189,12 @@
             <p14:sldId id="267"/>
             <p14:sldId id="268"/>
             <p14:sldId id="269"/>
+            <p14:sldId id="270"/>
             <p14:sldId id="306"/>
             <p14:sldId id="271"/>
             <p14:sldId id="272"/>
             <p14:sldId id="293"/>
+            <p14:sldId id="307"/>
             <p14:sldId id="294"/>
             <p14:sldId id="295"/>
             <p14:sldId id="296"/>
@@ -3196,130 +3198,6 @@
       </p:sp>
       <p:sp>
         <p:nvSpPr>
-          <p:cNvPr id="4" name="Rectangle 3">
-            <a:extLst>
-              <a:ext uri="{FF2B5EF4-FFF2-40B4-BE49-F238E27FC236}">
-                <a16:creationId xmlns:a16="http://schemas.microsoft.com/office/drawing/2014/main" id="{DDDB3593-9A89-4C37-A1C4-479DCCC11AE0}"/>
-              </a:ext>
-            </a:extLst>
-          </p:cNvPr>
-          <p:cNvSpPr/>
-          <p:nvPr/>
-        </p:nvSpPr>
-        <p:spPr>
-          <a:xfrm>
-            <a:off x="692727" y="4641607"/>
-            <a:ext cx="6096000" cy="1643527"/>
-          </a:xfrm>
-          <a:prstGeom prst="rect">
-            <a:avLst/>
-          </a:prstGeom>
-        </p:spPr>
-        <p:txBody>
-          <a:bodyPr>
-            <a:spAutoFit/>
-          </a:bodyPr>
-          <a:lstStyle/>
-          <a:p>
-            <a:pPr algn="ctr">
-              <a:lnSpc>
-                <a:spcPct val="120000"/>
-              </a:lnSpc>
-              <a:spcAft>
-                <a:spcPts val="0"/>
-              </a:spcAft>
-            </a:pPr>
-            <a:r>
-              <a:rPr lang="en-US" altLang="zh-CN" dirty="0">
-                <a:ea typeface="Times New Roman" panose="02020603050405020304" pitchFamily="18" charset="0"/>
-                <a:cs typeface="Times New Roman" panose="02020603050405020304" pitchFamily="18" charset="0"/>
-              </a:rPr>
-              <a:t>Manju Prasad</a:t>
-            </a:r>
-            <a:endParaRPr lang="zh-CN" altLang="zh-CN" sz="1100" dirty="0">
-              <a:ea typeface="Yu Mincho" panose="02020400000000000000" pitchFamily="18" charset="-128"/>
-              <a:cs typeface="Times New Roman" panose="02020603050405020304" pitchFamily="18" charset="0"/>
-            </a:endParaRPr>
-          </a:p>
-          <a:p>
-            <a:pPr algn="ctr">
-              <a:lnSpc>
-                <a:spcPct val="120000"/>
-              </a:lnSpc>
-              <a:spcAft>
-                <a:spcPts val="0"/>
-              </a:spcAft>
-            </a:pPr>
-            <a:r>
-              <a:rPr lang="en-US" altLang="zh-CN" dirty="0">
-                <a:ea typeface="Times New Roman" panose="02020603050405020304" pitchFamily="18" charset="0"/>
-                <a:cs typeface="Times New Roman" panose="02020603050405020304" pitchFamily="18" charset="0"/>
-              </a:rPr>
-              <a:t>Ravi Rane</a:t>
-            </a:r>
-            <a:endParaRPr lang="zh-CN" altLang="zh-CN" sz="1100" dirty="0">
-              <a:ea typeface="Yu Mincho" panose="02020400000000000000" pitchFamily="18" charset="-128"/>
-              <a:cs typeface="Times New Roman" panose="02020603050405020304" pitchFamily="18" charset="0"/>
-            </a:endParaRPr>
-          </a:p>
-          <a:p>
-            <a:pPr algn="ctr">
-              <a:lnSpc>
-                <a:spcPct val="120000"/>
-              </a:lnSpc>
-              <a:spcAft>
-                <a:spcPts val="0"/>
-              </a:spcAft>
-            </a:pPr>
-            <a:r>
-              <a:rPr lang="en-US" altLang="zh-CN" dirty="0">
-                <a:ea typeface="Times New Roman" panose="02020603050405020304" pitchFamily="18" charset="0"/>
-                <a:cs typeface="Times New Roman" panose="02020603050405020304" pitchFamily="18" charset="0"/>
-              </a:rPr>
-              <a:t>Yinchen Niu</a:t>
-            </a:r>
-            <a:endParaRPr lang="zh-CN" altLang="zh-CN" sz="1100" dirty="0">
-              <a:ea typeface="Yu Mincho" panose="02020400000000000000" pitchFamily="18" charset="-128"/>
-              <a:cs typeface="Times New Roman" panose="02020603050405020304" pitchFamily="18" charset="0"/>
-            </a:endParaRPr>
-          </a:p>
-          <a:p>
-            <a:pPr algn="ctr"/>
-            <a:r>
-              <a:rPr lang="en-US" altLang="zh-CN" dirty="0" err="1">
-                <a:ea typeface="Times New Roman" panose="02020603050405020304" pitchFamily="18" charset="0"/>
-              </a:rPr>
-              <a:t>Zegang</a:t>
-            </a:r>
-            <a:r>
-              <a:rPr lang="en-US" altLang="zh-CN" dirty="0">
-                <a:ea typeface="Times New Roman" panose="02020603050405020304" pitchFamily="18" charset="0"/>
-              </a:rPr>
-              <a:t> Liu</a:t>
-            </a:r>
-          </a:p>
-          <a:p>
-            <a:pPr algn="ctr"/>
-            <a:r>
-              <a:rPr lang="en-US" altLang="zh-CN" dirty="0">
-                <a:cs typeface="Times New Roman" panose="02020603050405020304" pitchFamily="18" charset="0"/>
-              </a:rPr>
-              <a:t>Tad </a:t>
-            </a:r>
-            <a:r>
-              <a:rPr lang="en-US" altLang="zh-CN" dirty="0" err="1">
-                <a:cs typeface="Times New Roman" panose="02020603050405020304" pitchFamily="18" charset="0"/>
-              </a:rPr>
-              <a:t>Berkery</a:t>
-            </a:r>
-            <a:endParaRPr lang="zh-CN" altLang="en-US" dirty="0">
-              <a:cs typeface="Times New Roman" panose="02020603050405020304" pitchFamily="18" charset="0"/>
-            </a:endParaRPr>
-          </a:p>
-        </p:txBody>
-      </p:sp>
-      <p:sp>
-        <p:nvSpPr>
           <p:cNvPr id="5" name="Rectangle 4">
             <a:extLst>
               <a:ext uri="{FF2B5EF4-FFF2-40B4-BE49-F238E27FC236}">
@@ -3424,6 +3302,282 @@
 </file>
 
 <file path=ppt/slides/slide10.xml><?xml version="1.0" encoding="utf-8"?>
+<p:sld xmlns:a="http://schemas.openxmlformats.org/drawingml/2006/main" xmlns:r="http://schemas.openxmlformats.org/officeDocument/2006/relationships" xmlns:p="http://schemas.openxmlformats.org/presentationml/2006/main">
+  <p:cSld>
+    <p:spTree>
+      <p:nvGrpSpPr>
+        <p:cNvPr id="1" name=""/>
+        <p:cNvGrpSpPr/>
+        <p:nvPr/>
+      </p:nvGrpSpPr>
+      <p:grpSpPr>
+        <a:xfrm>
+          <a:off x="0" y="0"/>
+          <a:ext cx="0" cy="0"/>
+          <a:chOff x="0" y="0"/>
+          <a:chExt cx="0" cy="0"/>
+        </a:xfrm>
+      </p:grpSpPr>
+      <p:sp>
+        <p:nvSpPr>
+          <p:cNvPr id="2" name="Title 1">
+            <a:extLst>
+              <a:ext uri="{FF2B5EF4-FFF2-40B4-BE49-F238E27FC236}">
+                <a16:creationId xmlns:a16="http://schemas.microsoft.com/office/drawing/2014/main" id="{FD715AF7-10FF-4E19-A206-3E8E7C1A3591}"/>
+              </a:ext>
+            </a:extLst>
+          </p:cNvPr>
+          <p:cNvSpPr txBox="1">
+            <a:spLocks/>
+          </p:cNvSpPr>
+          <p:nvPr/>
+        </p:nvSpPr>
+        <p:spPr>
+          <a:xfrm>
+            <a:off x="0" y="0"/>
+            <a:ext cx="3379433" cy="855540"/>
+          </a:xfrm>
+          <a:prstGeom prst="rect">
+            <a:avLst/>
+          </a:prstGeom>
+        </p:spPr>
+        <p:txBody>
+          <a:bodyPr>
+            <a:normAutofit/>
+          </a:bodyPr>
+          <a:lstStyle>
+            <a:lvl1pPr algn="l" defTabSz="914400" rtl="0" eaLnBrk="1" latinLnBrk="0" hangingPunct="1">
+              <a:lnSpc>
+                <a:spcPct val="90000"/>
+              </a:lnSpc>
+              <a:spcBef>
+                <a:spcPct val="0"/>
+              </a:spcBef>
+              <a:buNone/>
+              <a:defRPr sz="4400" kern="1200">
+                <a:solidFill>
+                  <a:schemeClr val="tx1"/>
+                </a:solidFill>
+                <a:latin typeface="+mj-lt"/>
+                <a:ea typeface="+mj-ea"/>
+                <a:cs typeface="+mj-cs"/>
+              </a:defRPr>
+            </a:lvl1pPr>
+          </a:lstStyle>
+          <a:p>
+            <a:r>
+              <a:rPr lang="en-US" sz="4800"/>
+              <a:t>About Data</a:t>
+            </a:r>
+            <a:endParaRPr lang="en-US" sz="4800" dirty="0"/>
+          </a:p>
+        </p:txBody>
+      </p:sp>
+      <p:pic>
+        <p:nvPicPr>
+          <p:cNvPr id="3" name="Picture 2">
+            <a:extLst>
+              <a:ext uri="{FF2B5EF4-FFF2-40B4-BE49-F238E27FC236}">
+                <a16:creationId xmlns:a16="http://schemas.microsoft.com/office/drawing/2014/main" id="{574382F5-D1F5-41BD-B038-B82973325860}"/>
+              </a:ext>
+            </a:extLst>
+          </p:cNvPr>
+          <p:cNvPicPr>
+            <a:picLocks noChangeAspect="1"/>
+          </p:cNvPicPr>
+          <p:nvPr/>
+        </p:nvPicPr>
+        <p:blipFill>
+          <a:blip r:embed="rId2"/>
+          <a:stretch>
+            <a:fillRect/>
+          </a:stretch>
+        </p:blipFill>
+        <p:spPr>
+          <a:xfrm>
+            <a:off x="10218198" y="-79899"/>
+            <a:ext cx="1973802" cy="1571348"/>
+          </a:xfrm>
+          <a:prstGeom prst="ellipse">
+            <a:avLst/>
+          </a:prstGeom>
+          <a:ln>
+            <a:noFill/>
+          </a:ln>
+          <a:effectLst>
+            <a:softEdge rad="112500"/>
+          </a:effectLst>
+        </p:spPr>
+      </p:pic>
+      <p:sp>
+        <p:nvSpPr>
+          <p:cNvPr id="4" name="Rectangle 3">
+            <a:extLst>
+              <a:ext uri="{FF2B5EF4-FFF2-40B4-BE49-F238E27FC236}">
+                <a16:creationId xmlns:a16="http://schemas.microsoft.com/office/drawing/2014/main" id="{A9E75F69-B6A3-42E8-9B41-5D8C6557793E}"/>
+              </a:ext>
+            </a:extLst>
+          </p:cNvPr>
+          <p:cNvSpPr/>
+          <p:nvPr/>
+        </p:nvSpPr>
+        <p:spPr>
+          <a:xfrm>
+            <a:off x="331432" y="845118"/>
+            <a:ext cx="7032753" cy="369332"/>
+          </a:xfrm>
+          <a:prstGeom prst="rect">
+            <a:avLst/>
+          </a:prstGeom>
+        </p:spPr>
+        <p:txBody>
+          <a:bodyPr wrap="square">
+            <a:spAutoFit/>
+          </a:bodyPr>
+          <a:lstStyle/>
+          <a:p>
+            <a:r>
+              <a:rPr lang="en-US" altLang="en-US" dirty="0"/>
+              <a:t>Table showing all characters with over 100 images in the dataset</a:t>
+            </a:r>
+            <a:endParaRPr lang="zh-CN" altLang="en-US" dirty="0"/>
+          </a:p>
+        </p:txBody>
+      </p:sp>
+      <p:pic>
+        <p:nvPicPr>
+          <p:cNvPr id="5" name="Google Shape;157;p18">
+            <a:extLst>
+              <a:ext uri="{FF2B5EF4-FFF2-40B4-BE49-F238E27FC236}">
+                <a16:creationId xmlns:a16="http://schemas.microsoft.com/office/drawing/2014/main" id="{8D059781-72DE-4860-8F0C-928364524C7B}"/>
+              </a:ext>
+            </a:extLst>
+          </p:cNvPr>
+          <p:cNvPicPr preferRelativeResize="0">
+            <a:picLocks noChangeAspect="1" noChangeArrowheads="1"/>
+          </p:cNvPicPr>
+          <p:nvPr/>
+        </p:nvPicPr>
+        <p:blipFill>
+          <a:blip r:embed="rId3">
+            <a:extLst>
+              <a:ext uri="{28A0092B-C50C-407E-A947-70E740481C1C}">
+                <a14:useLocalDpi xmlns:a14="http://schemas.microsoft.com/office/drawing/2010/main" val="0"/>
+              </a:ext>
+            </a:extLst>
+          </a:blip>
+          <a:srcRect r="38589"/>
+          <a:stretch>
+            <a:fillRect/>
+          </a:stretch>
+        </p:blipFill>
+        <p:spPr bwMode="auto">
+          <a:xfrm>
+            <a:off x="6915149" y="1417135"/>
+            <a:ext cx="4302579" cy="5259890"/>
+          </a:xfrm>
+          <a:prstGeom prst="rect">
+            <a:avLst/>
+          </a:prstGeom>
+          <a:noFill/>
+          <a:ln>
+            <a:noFill/>
+          </a:ln>
+          <a:extLst>
+            <a:ext uri="{909E8E84-426E-40DD-AFC4-6F175D3DCCD1}">
+              <a14:hiddenFill xmlns:a14="http://schemas.microsoft.com/office/drawing/2010/main">
+                <a:solidFill>
+                  <a:srgbClr val="FFFFFF"/>
+                </a:solidFill>
+              </a14:hiddenFill>
+            </a:ext>
+            <a:ext uri="{91240B29-F687-4F45-9708-019B960494DF}">
+              <a14:hiddenLine xmlns:a14="http://schemas.microsoft.com/office/drawing/2010/main" w="9525">
+                <a:solidFill>
+                  <a:srgbClr val="000000"/>
+                </a:solidFill>
+                <a:miter lim="800000"/>
+                <a:headEnd/>
+                <a:tailEnd/>
+              </a14:hiddenLine>
+            </a:ext>
+          </a:extLst>
+        </p:spPr>
+      </p:pic>
+      <p:pic>
+        <p:nvPicPr>
+          <p:cNvPr id="6" name="Google Shape;162;p18">
+            <a:extLst>
+              <a:ext uri="{FF2B5EF4-FFF2-40B4-BE49-F238E27FC236}">
+                <a16:creationId xmlns:a16="http://schemas.microsoft.com/office/drawing/2014/main" id="{A960C609-9651-43A1-8CE6-89FF688F6DC4}"/>
+              </a:ext>
+            </a:extLst>
+          </p:cNvPr>
+          <p:cNvPicPr preferRelativeResize="0">
+            <a:picLocks noChangeAspect="1" noChangeArrowheads="1"/>
+          </p:cNvPicPr>
+          <p:nvPr/>
+        </p:nvPicPr>
+        <p:blipFill>
+          <a:blip r:embed="rId4">
+            <a:extLst>
+              <a:ext uri="{28A0092B-C50C-407E-A947-70E740481C1C}">
+                <a14:useLocalDpi xmlns:a14="http://schemas.microsoft.com/office/drawing/2010/main" val="0"/>
+              </a:ext>
+            </a:extLst>
+          </a:blip>
+          <a:srcRect/>
+          <a:stretch>
+            <a:fillRect/>
+          </a:stretch>
+        </p:blipFill>
+        <p:spPr bwMode="auto">
+          <a:xfrm>
+            <a:off x="374650" y="1338943"/>
+            <a:ext cx="6505421" cy="5301570"/>
+          </a:xfrm>
+          <a:prstGeom prst="rect">
+            <a:avLst/>
+          </a:prstGeom>
+          <a:noFill/>
+          <a:ln>
+            <a:noFill/>
+          </a:ln>
+          <a:extLst>
+            <a:ext uri="{909E8E84-426E-40DD-AFC4-6F175D3DCCD1}">
+              <a14:hiddenFill xmlns:a14="http://schemas.microsoft.com/office/drawing/2010/main">
+                <a:solidFill>
+                  <a:srgbClr val="FFFFFF"/>
+                </a:solidFill>
+              </a14:hiddenFill>
+            </a:ext>
+            <a:ext uri="{91240B29-F687-4F45-9708-019B960494DF}">
+              <a14:hiddenLine xmlns:a14="http://schemas.microsoft.com/office/drawing/2010/main" w="9525">
+                <a:solidFill>
+                  <a:srgbClr val="000000"/>
+                </a:solidFill>
+                <a:miter lim="800000"/>
+                <a:headEnd/>
+                <a:tailEnd/>
+              </a14:hiddenLine>
+            </a:ext>
+          </a:extLst>
+        </p:spPr>
+      </p:pic>
+    </p:spTree>
+    <p:extLst>
+      <p:ext uri="{BB962C8B-B14F-4D97-AF65-F5344CB8AC3E}">
+        <p14:creationId xmlns:p14="http://schemas.microsoft.com/office/powerpoint/2010/main" val="1900657542"/>
+      </p:ext>
+    </p:extLst>
+  </p:cSld>
+  <p:clrMapOvr>
+    <a:masterClrMapping/>
+  </p:clrMapOvr>
+</p:sld>
+</file>
+
+<file path=ppt/slides/slide11.xml><?xml version="1.0" encoding="utf-8"?>
 <p:sld xmlns:a="http://schemas.openxmlformats.org/drawingml/2006/main" xmlns:r="http://schemas.openxmlformats.org/officeDocument/2006/relationships" xmlns:p="http://schemas.openxmlformats.org/presentationml/2006/main">
   <p:cSld>
     <p:spTree>
@@ -3604,7 +3758,7 @@
 </p:sld>
 </file>
 
-<file path=ppt/slides/slide11.xml><?xml version="1.0" encoding="utf-8"?>
+<file path=ppt/slides/slide12.xml><?xml version="1.0" encoding="utf-8"?>
 <p:sld xmlns:a="http://schemas.openxmlformats.org/drawingml/2006/main" xmlns:r="http://schemas.openxmlformats.org/officeDocument/2006/relationships" xmlns:p="http://schemas.openxmlformats.org/presentationml/2006/main">
   <p:cSld>
     <p:spTree>
@@ -4153,7 +4307,7 @@
 </p:sld>
 </file>
 
-<file path=ppt/slides/slide12.xml><?xml version="1.0" encoding="utf-8"?>
+<file path=ppt/slides/slide13.xml><?xml version="1.0" encoding="utf-8"?>
 <p:sld xmlns:a="http://schemas.openxmlformats.org/drawingml/2006/main" xmlns:r="http://schemas.openxmlformats.org/officeDocument/2006/relationships" xmlns:p="http://schemas.openxmlformats.org/presentationml/2006/main">
   <p:cSld>
     <p:spTree>
@@ -4279,7 +4433,7 @@
 </p:sld>
 </file>
 
-<file path=ppt/slides/slide13.xml><?xml version="1.0" encoding="utf-8"?>
+<file path=ppt/slides/slide14.xml><?xml version="1.0" encoding="utf-8"?>
 <p:sld xmlns:a="http://schemas.openxmlformats.org/drawingml/2006/main" xmlns:r="http://schemas.openxmlformats.org/officeDocument/2006/relationships" xmlns:p="http://schemas.openxmlformats.org/presentationml/2006/main">
   <p:cSld>
     <p:spTree>
@@ -4409,7 +4563,7 @@
 </p:sld>
 </file>
 
-<file path=ppt/slides/slide14.xml><?xml version="1.0" encoding="utf-8"?>
+<file path=ppt/slides/slide15.xml><?xml version="1.0" encoding="utf-8"?>
 <p:sld xmlns:a="http://schemas.openxmlformats.org/drawingml/2006/main" xmlns:r="http://schemas.openxmlformats.org/officeDocument/2006/relationships" xmlns:p="http://schemas.openxmlformats.org/presentationml/2006/main">
   <p:cSld>
     <p:spTree>
@@ -4612,7 +4766,7 @@
 </p:sld>
 </file>
 
-<file path=ppt/slides/slide15.xml><?xml version="1.0" encoding="utf-8"?>
+<file path=ppt/slides/slide16.xml><?xml version="1.0" encoding="utf-8"?>
 <p:sld xmlns:a="http://schemas.openxmlformats.org/drawingml/2006/main" xmlns:r="http://schemas.openxmlformats.org/officeDocument/2006/relationships" xmlns:p="http://schemas.openxmlformats.org/presentationml/2006/main">
   <p:cSld>
     <p:bg>
@@ -4819,7 +4973,7 @@
 </p:sld>
 </file>
 
-<file path=ppt/slides/slide16.xml><?xml version="1.0" encoding="utf-8"?>
+<file path=ppt/slides/slide17.xml><?xml version="1.0" encoding="utf-8"?>
 <p:sld xmlns:a="http://schemas.openxmlformats.org/drawingml/2006/main" xmlns:r="http://schemas.openxmlformats.org/officeDocument/2006/relationships" xmlns:p="http://schemas.openxmlformats.org/presentationml/2006/main">
   <p:cSld>
     <p:spTree>
@@ -5099,7 +5253,7 @@
 </p:sld>
 </file>
 
-<file path=ppt/slides/slide17.xml><?xml version="1.0" encoding="utf-8"?>
+<file path=ppt/slides/slide18.xml><?xml version="1.0" encoding="utf-8"?>
 <p:sld xmlns:a="http://schemas.openxmlformats.org/drawingml/2006/main" xmlns:r="http://schemas.openxmlformats.org/officeDocument/2006/relationships" xmlns:p="http://schemas.openxmlformats.org/presentationml/2006/main">
   <p:cSld>
     <p:spTree>
@@ -5478,7 +5632,7 @@
 </p:sld>
 </file>
 
-<file path=ppt/slides/slide18.xml><?xml version="1.0" encoding="utf-8"?>
+<file path=ppt/slides/slide19.xml><?xml version="1.0" encoding="utf-8"?>
 <p:sld xmlns:a="http://schemas.openxmlformats.org/drawingml/2006/main" xmlns:r="http://schemas.openxmlformats.org/officeDocument/2006/relationships" xmlns:p="http://schemas.openxmlformats.org/presentationml/2006/main">
   <p:cSld>
     <p:spTree>
@@ -5642,14 +5796,14 @@
           </a:ln>
           <a:extLst>
             <a:ext uri="{909E8E84-426E-40dd-AFC4-6F175D3DCCD1}">
-              <a14:hiddenFill xmlns="" xmlns:a14="http://schemas.microsoft.com/office/drawing/2010/main">
+              <a14:hiddenFill xmlns:a14="http://schemas.microsoft.com/office/drawing/2010/main" xmlns="">
                 <a:solidFill>
                   <a:srgbClr val="FFFFFF"/>
                 </a:solidFill>
               </a14:hiddenFill>
             </a:ext>
             <a:ext uri="{91240B29-F687-4f45-9708-019B960494DF}">
-              <a14:hiddenLine xmlns="" xmlns:a14="http://schemas.microsoft.com/office/drawing/2010/main" w="9525">
+              <a14:hiddenLine xmlns:a14="http://schemas.microsoft.com/office/drawing/2010/main" xmlns="" w="9525">
                 <a:solidFill>
                   <a:srgbClr val="000000"/>
                 </a:solidFill>
@@ -5689,14 +5843,14 @@
           </a:ln>
           <a:extLst>
             <a:ext uri="{909E8E84-426E-40dd-AFC4-6F175D3DCCD1}">
-              <a14:hiddenFill xmlns:lc="http://schemas.openxmlformats.org/drawingml/2006/lockedCanvas" xmlns:a14="http://schemas.microsoft.com/office/drawing/2010/main" xmlns="">
+              <a14:hiddenFill xmlns="" xmlns:a14="http://schemas.microsoft.com/office/drawing/2010/main" xmlns:lc="http://schemas.openxmlformats.org/drawingml/2006/lockedCanvas">
                 <a:solidFill>
                   <a:srgbClr val="FFFFFF"/>
                 </a:solidFill>
               </a14:hiddenFill>
             </a:ext>
             <a:ext uri="{91240B29-F687-4f45-9708-019B960494DF}">
-              <a14:hiddenLine xmlns:lc="http://schemas.openxmlformats.org/drawingml/2006/lockedCanvas" xmlns:a14="http://schemas.microsoft.com/office/drawing/2010/main" xmlns="" w="9525">
+              <a14:hiddenLine xmlns="" xmlns:a14="http://schemas.microsoft.com/office/drawing/2010/main" xmlns:lc="http://schemas.openxmlformats.org/drawingml/2006/lockedCanvas" w="9525">
                 <a:solidFill>
                   <a:srgbClr val="000000"/>
                 </a:solidFill>
@@ -5818,202 +5972,6 @@
     <p:extLst>
       <p:ext uri="{BB962C8B-B14F-4D97-AF65-F5344CB8AC3E}">
         <p14:creationId xmlns:p14="http://schemas.microsoft.com/office/powerpoint/2010/main" val="1416028567"/>
-      </p:ext>
-    </p:extLst>
-  </p:cSld>
-  <p:clrMapOvr>
-    <a:masterClrMapping/>
-  </p:clrMapOvr>
-</p:sld>
-</file>
-
-<file path=ppt/slides/slide19.xml><?xml version="1.0" encoding="utf-8"?>
-<p:sld xmlns:a="http://schemas.openxmlformats.org/drawingml/2006/main" xmlns:r="http://schemas.openxmlformats.org/officeDocument/2006/relationships" xmlns:p="http://schemas.openxmlformats.org/presentationml/2006/main">
-  <p:cSld>
-    <p:spTree>
-      <p:nvGrpSpPr>
-        <p:cNvPr id="1" name=""/>
-        <p:cNvGrpSpPr/>
-        <p:nvPr/>
-      </p:nvGrpSpPr>
-      <p:grpSpPr>
-        <a:xfrm>
-          <a:off x="0" y="0"/>
-          <a:ext cx="0" cy="0"/>
-          <a:chOff x="0" y="0"/>
-          <a:chExt cx="0" cy="0"/>
-        </a:xfrm>
-      </p:grpSpPr>
-      <p:pic>
-        <p:nvPicPr>
-          <p:cNvPr id="4" name="Picture 2" descr="Screen Shot 2019-06-09 at 3.46.55 PM.png">
-            <a:extLst>
-              <a:ext uri="{FF2B5EF4-FFF2-40B4-BE49-F238E27FC236}">
-                <a16:creationId xmlns:a16="http://schemas.microsoft.com/office/drawing/2014/main" id="{095B895E-3F5E-4F54-9216-D0E302D54DBE}"/>
-              </a:ext>
-            </a:extLst>
-          </p:cNvPr>
-          <p:cNvPicPr>
-            <a:picLocks noChangeAspect="1" noChangeArrowheads="1"/>
-          </p:cNvPicPr>
-          <p:nvPr/>
-        </p:nvPicPr>
-        <p:blipFill>
-          <a:blip r:embed="rId2">
-            <a:extLst>
-              <a:ext uri="{28A0092B-C50C-407E-A947-70E740481C1C}">
-                <a14:useLocalDpi xmlns:a14="http://schemas.microsoft.com/office/drawing/2010/main" val="0"/>
-              </a:ext>
-            </a:extLst>
-          </a:blip>
-          <a:srcRect/>
-          <a:stretch>
-            <a:fillRect/>
-          </a:stretch>
-        </p:blipFill>
-        <p:spPr bwMode="auto">
-          <a:xfrm>
-            <a:off x="2326958" y="1376680"/>
-            <a:ext cx="6589712" cy="5075238"/>
-          </a:xfrm>
-          <a:prstGeom prst="rect">
-            <a:avLst/>
-          </a:prstGeom>
-          <a:noFill/>
-          <a:ln>
-            <a:noFill/>
-          </a:ln>
-          <a:extLst>
-            <a:ext uri="{909E8E84-426E-40dd-AFC4-6F175D3DCCD1}">
-              <a14:hiddenFill xmlns="" xmlns:a14="http://schemas.microsoft.com/office/drawing/2010/main">
-                <a:solidFill>
-                  <a:srgbClr val="FFFFFF"/>
-                </a:solidFill>
-              </a14:hiddenFill>
-            </a:ext>
-            <a:ext uri="{91240B29-F687-4f45-9708-019B960494DF}">
-              <a14:hiddenLine xmlns="" xmlns:a14="http://schemas.microsoft.com/office/drawing/2010/main" w="9525">
-                <a:solidFill>
-                  <a:srgbClr val="000000"/>
-                </a:solidFill>
-                <a:miter lim="800000"/>
-                <a:headEnd/>
-                <a:tailEnd/>
-              </a14:hiddenLine>
-            </a:ext>
-          </a:extLst>
-        </p:spPr>
-      </p:pic>
-      <p:sp>
-        <p:nvSpPr>
-          <p:cNvPr id="5" name="Title 1">
-            <a:extLst>
-              <a:ext uri="{FF2B5EF4-FFF2-40B4-BE49-F238E27FC236}">
-                <a16:creationId xmlns:a16="http://schemas.microsoft.com/office/drawing/2014/main" id="{0B2FACBB-9B6F-4027-9983-B9DFFE00F91F}"/>
-              </a:ext>
-            </a:extLst>
-          </p:cNvPr>
-          <p:cNvSpPr txBox="1">
-            <a:spLocks/>
-          </p:cNvSpPr>
-          <p:nvPr/>
-        </p:nvSpPr>
-        <p:spPr>
-          <a:xfrm>
-            <a:off x="101600" y="124851"/>
-            <a:ext cx="3352800" cy="885428"/>
-          </a:xfrm>
-          <a:prstGeom prst="rect">
-            <a:avLst/>
-          </a:prstGeom>
-        </p:spPr>
-        <p:txBody>
-          <a:bodyPr vert="horz" lIns="91440" tIns="45720" rIns="91440" bIns="45720" rtlCol="0" anchor="ctr">
-            <a:normAutofit fontScale="97500"/>
-          </a:bodyPr>
-          <a:lstStyle>
-            <a:lvl1pPr algn="l" defTabSz="914400" rtl="0" eaLnBrk="1" latinLnBrk="0" hangingPunct="1">
-              <a:lnSpc>
-                <a:spcPct val="90000"/>
-              </a:lnSpc>
-              <a:spcBef>
-                <a:spcPct val="0"/>
-              </a:spcBef>
-              <a:buNone/>
-              <a:defRPr sz="4400" kern="1200">
-                <a:solidFill>
-                  <a:schemeClr val="tx1"/>
-                </a:solidFill>
-                <a:latin typeface="+mj-lt"/>
-                <a:ea typeface="+mj-ea"/>
-                <a:cs typeface="+mj-cs"/>
-              </a:defRPr>
-            </a:lvl1pPr>
-          </a:lstStyle>
-          <a:p>
-            <a:r>
-              <a:rPr lang="en-US" sz="4900" dirty="0"/>
-              <a:t>First Result</a:t>
-            </a:r>
-          </a:p>
-        </p:txBody>
-      </p:sp>
-      <p:pic>
-        <p:nvPicPr>
-          <p:cNvPr id="6" name="Picture 2" descr="æ¥çæºå¾å">
-            <a:extLst>
-              <a:ext uri="{FF2B5EF4-FFF2-40B4-BE49-F238E27FC236}">
-                <a16:creationId xmlns:a16="http://schemas.microsoft.com/office/drawing/2014/main" id="{320D3A2E-5088-4C31-8660-33C525C46039}"/>
-              </a:ext>
-            </a:extLst>
-          </p:cNvPr>
-          <p:cNvPicPr>
-            <a:picLocks noChangeAspect="1" noChangeArrowheads="1"/>
-          </p:cNvPicPr>
-          <p:nvPr/>
-        </p:nvPicPr>
-        <p:blipFill>
-          <a:blip r:embed="rId3">
-            <a:extLst>
-              <a:ext uri="{28A0092B-C50C-407E-A947-70E740481C1C}">
-                <a14:useLocalDpi xmlns:a14="http://schemas.microsoft.com/office/drawing/2010/main" val="0"/>
-              </a:ext>
-            </a:extLst>
-          </a:blip>
-          <a:srcRect/>
-          <a:stretch>
-            <a:fillRect/>
-          </a:stretch>
-        </p:blipFill>
-        <p:spPr bwMode="auto">
-          <a:xfrm>
-            <a:off x="10194586" y="0"/>
-            <a:ext cx="1997413" cy="1561439"/>
-          </a:xfrm>
-          <a:prstGeom prst="ellipse">
-            <a:avLst/>
-          </a:prstGeom>
-          <a:ln>
-            <a:noFill/>
-          </a:ln>
-          <a:effectLst>
-            <a:softEdge rad="112500"/>
-          </a:effectLst>
-          <a:extLst>
-            <a:ext uri="{909E8E84-426E-40DD-AFC4-6F175D3DCCD1}">
-              <a14:hiddenFill xmlns:a14="http://schemas.microsoft.com/office/drawing/2010/main">
-                <a:solidFill>
-                  <a:srgbClr val="FFFFFF"/>
-                </a:solidFill>
-              </a14:hiddenFill>
-            </a:ext>
-          </a:extLst>
-        </p:spPr>
-      </p:pic>
-    </p:spTree>
-    <p:extLst>
-      <p:ext uri="{BB962C8B-B14F-4D97-AF65-F5344CB8AC3E}">
-        <p14:creationId xmlns:p14="http://schemas.microsoft.com/office/powerpoint/2010/main" val="3746352440"/>
       </p:ext>
     </p:extLst>
   </p:cSld>
@@ -6213,21 +6171,8 @@
                   <a:srgbClr val="000000"/>
                 </a:solidFill>
               </a:rPr>
-              <a:t>Roles of </a:t>
-            </a:r>
-            <a:r>
-              <a:rPr lang="en-US" sz="4400" dirty="0" err="1">
-                <a:solidFill>
-                  <a:srgbClr val="000000"/>
-                </a:solidFill>
-              </a:rPr>
-              <a:t>Teammembers</a:t>
-            </a:r>
-            <a:endParaRPr lang="en-US" sz="4400" dirty="0">
-              <a:solidFill>
-                <a:srgbClr val="000000"/>
-              </a:solidFill>
-            </a:endParaRPr>
+              <a:t>Roles of Team members</a:t>
+            </a:r>
           </a:p>
         </p:txBody>
       </p:sp>
@@ -6630,46 +6575,24 @@
                   <a:srgbClr val="000000"/>
                 </a:solidFill>
               </a:rPr>
-              <a:t>   Developer         –    Zegang Liu</a:t>
-            </a:r>
-          </a:p>
-          <a:p>
-            <a:pPr lvl="1" indent="-228600" algn="l">
-              <a:buFont typeface="Arial" panose="020B0604020202020204" pitchFamily="34" charset="0"/>
-              <a:buChar char="•"/>
-            </a:pPr>
+              <a:t>   Developer         –    </a:t>
+            </a:r>
+            <a:r>
+              <a:rPr lang="en-US" altLang="zh-CN" dirty="0" err="1">
+                <a:solidFill>
+                  <a:srgbClr val="000000"/>
+                </a:solidFill>
+              </a:rPr>
+              <a:t>Zegang</a:t>
+            </a:r>
             <a:r>
               <a:rPr lang="en-US" altLang="zh-CN" dirty="0">
                 <a:solidFill>
                   <a:srgbClr val="000000"/>
                 </a:solidFill>
               </a:rPr>
-              <a:t>   Developer         –    Tad </a:t>
-            </a:r>
-            <a:r>
-              <a:rPr lang="en-US" altLang="zh-CN" dirty="0" err="1">
-                <a:solidFill>
-                  <a:srgbClr val="000000"/>
-                </a:solidFill>
-              </a:rPr>
-              <a:t>Berkery</a:t>
-            </a:r>
-            <a:endParaRPr lang="en-US" altLang="zh-CN" dirty="0">
-              <a:solidFill>
-                <a:srgbClr val="000000"/>
-              </a:solidFill>
-            </a:endParaRPr>
-          </a:p>
-          <a:p>
-            <a:pPr lvl="1" indent="-228600" algn="l">
-              <a:buFont typeface="Arial" panose="020B0604020202020204" pitchFamily="34" charset="0"/>
-              <a:buChar char="•"/>
-            </a:pPr>
-            <a:endParaRPr lang="en-US" altLang="zh-CN" dirty="0">
-              <a:solidFill>
-                <a:srgbClr val="000000"/>
-              </a:solidFill>
-            </a:endParaRPr>
+              <a:t> Liu</a:t>
+            </a:r>
           </a:p>
           <a:p>
             <a:pPr indent="-228600" algn="l">
@@ -6698,6 +6621,202 @@
 </file>
 
 <file path=ppt/slides/slide20.xml><?xml version="1.0" encoding="utf-8"?>
+<p:sld xmlns:a="http://schemas.openxmlformats.org/drawingml/2006/main" xmlns:r="http://schemas.openxmlformats.org/officeDocument/2006/relationships" xmlns:p="http://schemas.openxmlformats.org/presentationml/2006/main">
+  <p:cSld>
+    <p:spTree>
+      <p:nvGrpSpPr>
+        <p:cNvPr id="1" name=""/>
+        <p:cNvGrpSpPr/>
+        <p:nvPr/>
+      </p:nvGrpSpPr>
+      <p:grpSpPr>
+        <a:xfrm>
+          <a:off x="0" y="0"/>
+          <a:ext cx="0" cy="0"/>
+          <a:chOff x="0" y="0"/>
+          <a:chExt cx="0" cy="0"/>
+        </a:xfrm>
+      </p:grpSpPr>
+      <p:pic>
+        <p:nvPicPr>
+          <p:cNvPr id="4" name="Picture 2" descr="Screen Shot 2019-06-09 at 3.46.55 PM.png">
+            <a:extLst>
+              <a:ext uri="{FF2B5EF4-FFF2-40B4-BE49-F238E27FC236}">
+                <a16:creationId xmlns:a16="http://schemas.microsoft.com/office/drawing/2014/main" id="{095B895E-3F5E-4F54-9216-D0E302D54DBE}"/>
+              </a:ext>
+            </a:extLst>
+          </p:cNvPr>
+          <p:cNvPicPr>
+            <a:picLocks noChangeAspect="1" noChangeArrowheads="1"/>
+          </p:cNvPicPr>
+          <p:nvPr/>
+        </p:nvPicPr>
+        <p:blipFill>
+          <a:blip r:embed="rId2">
+            <a:extLst>
+              <a:ext uri="{28A0092B-C50C-407E-A947-70E740481C1C}">
+                <a14:useLocalDpi xmlns:a14="http://schemas.microsoft.com/office/drawing/2010/main" val="0"/>
+              </a:ext>
+            </a:extLst>
+          </a:blip>
+          <a:srcRect/>
+          <a:stretch>
+            <a:fillRect/>
+          </a:stretch>
+        </p:blipFill>
+        <p:spPr bwMode="auto">
+          <a:xfrm>
+            <a:off x="2326958" y="1376680"/>
+            <a:ext cx="6589712" cy="5075238"/>
+          </a:xfrm>
+          <a:prstGeom prst="rect">
+            <a:avLst/>
+          </a:prstGeom>
+          <a:noFill/>
+          <a:ln>
+            <a:noFill/>
+          </a:ln>
+          <a:extLst>
+            <a:ext uri="{909E8E84-426E-40dd-AFC4-6F175D3DCCD1}">
+              <a14:hiddenFill xmlns:a14="http://schemas.microsoft.com/office/drawing/2010/main" xmlns="">
+                <a:solidFill>
+                  <a:srgbClr val="FFFFFF"/>
+                </a:solidFill>
+              </a14:hiddenFill>
+            </a:ext>
+            <a:ext uri="{91240B29-F687-4f45-9708-019B960494DF}">
+              <a14:hiddenLine xmlns:a14="http://schemas.microsoft.com/office/drawing/2010/main" xmlns="" w="9525">
+                <a:solidFill>
+                  <a:srgbClr val="000000"/>
+                </a:solidFill>
+                <a:miter lim="800000"/>
+                <a:headEnd/>
+                <a:tailEnd/>
+              </a14:hiddenLine>
+            </a:ext>
+          </a:extLst>
+        </p:spPr>
+      </p:pic>
+      <p:sp>
+        <p:nvSpPr>
+          <p:cNvPr id="5" name="Title 1">
+            <a:extLst>
+              <a:ext uri="{FF2B5EF4-FFF2-40B4-BE49-F238E27FC236}">
+                <a16:creationId xmlns:a16="http://schemas.microsoft.com/office/drawing/2014/main" id="{0B2FACBB-9B6F-4027-9983-B9DFFE00F91F}"/>
+              </a:ext>
+            </a:extLst>
+          </p:cNvPr>
+          <p:cNvSpPr txBox="1">
+            <a:spLocks/>
+          </p:cNvSpPr>
+          <p:nvPr/>
+        </p:nvSpPr>
+        <p:spPr>
+          <a:xfrm>
+            <a:off x="101600" y="124851"/>
+            <a:ext cx="3352800" cy="885428"/>
+          </a:xfrm>
+          <a:prstGeom prst="rect">
+            <a:avLst/>
+          </a:prstGeom>
+        </p:spPr>
+        <p:txBody>
+          <a:bodyPr vert="horz" lIns="91440" tIns="45720" rIns="91440" bIns="45720" rtlCol="0" anchor="ctr">
+            <a:normAutofit fontScale="97500"/>
+          </a:bodyPr>
+          <a:lstStyle>
+            <a:lvl1pPr algn="l" defTabSz="914400" rtl="0" eaLnBrk="1" latinLnBrk="0" hangingPunct="1">
+              <a:lnSpc>
+                <a:spcPct val="90000"/>
+              </a:lnSpc>
+              <a:spcBef>
+                <a:spcPct val="0"/>
+              </a:spcBef>
+              <a:buNone/>
+              <a:defRPr sz="4400" kern="1200">
+                <a:solidFill>
+                  <a:schemeClr val="tx1"/>
+                </a:solidFill>
+                <a:latin typeface="+mj-lt"/>
+                <a:ea typeface="+mj-ea"/>
+                <a:cs typeface="+mj-cs"/>
+              </a:defRPr>
+            </a:lvl1pPr>
+          </a:lstStyle>
+          <a:p>
+            <a:r>
+              <a:rPr lang="en-US" sz="4900" dirty="0"/>
+              <a:t>First Result</a:t>
+            </a:r>
+          </a:p>
+        </p:txBody>
+      </p:sp>
+      <p:pic>
+        <p:nvPicPr>
+          <p:cNvPr id="6" name="Picture 2" descr="æ¥çæºå¾å">
+            <a:extLst>
+              <a:ext uri="{FF2B5EF4-FFF2-40B4-BE49-F238E27FC236}">
+                <a16:creationId xmlns:a16="http://schemas.microsoft.com/office/drawing/2014/main" id="{320D3A2E-5088-4C31-8660-33C525C46039}"/>
+              </a:ext>
+            </a:extLst>
+          </p:cNvPr>
+          <p:cNvPicPr>
+            <a:picLocks noChangeAspect="1" noChangeArrowheads="1"/>
+          </p:cNvPicPr>
+          <p:nvPr/>
+        </p:nvPicPr>
+        <p:blipFill>
+          <a:blip r:embed="rId3">
+            <a:extLst>
+              <a:ext uri="{28A0092B-C50C-407E-A947-70E740481C1C}">
+                <a14:useLocalDpi xmlns:a14="http://schemas.microsoft.com/office/drawing/2010/main" val="0"/>
+              </a:ext>
+            </a:extLst>
+          </a:blip>
+          <a:srcRect/>
+          <a:stretch>
+            <a:fillRect/>
+          </a:stretch>
+        </p:blipFill>
+        <p:spPr bwMode="auto">
+          <a:xfrm>
+            <a:off x="10194586" y="0"/>
+            <a:ext cx="1997413" cy="1561439"/>
+          </a:xfrm>
+          <a:prstGeom prst="ellipse">
+            <a:avLst/>
+          </a:prstGeom>
+          <a:ln>
+            <a:noFill/>
+          </a:ln>
+          <a:effectLst>
+            <a:softEdge rad="112500"/>
+          </a:effectLst>
+          <a:extLst>
+            <a:ext uri="{909E8E84-426E-40DD-AFC4-6F175D3DCCD1}">
+              <a14:hiddenFill xmlns:a14="http://schemas.microsoft.com/office/drawing/2010/main">
+                <a:solidFill>
+                  <a:srgbClr val="FFFFFF"/>
+                </a:solidFill>
+              </a14:hiddenFill>
+            </a:ext>
+          </a:extLst>
+        </p:spPr>
+      </p:pic>
+    </p:spTree>
+    <p:extLst>
+      <p:ext uri="{BB962C8B-B14F-4D97-AF65-F5344CB8AC3E}">
+        <p14:creationId xmlns:p14="http://schemas.microsoft.com/office/powerpoint/2010/main" val="3746352440"/>
+      </p:ext>
+    </p:extLst>
+  </p:cSld>
+  <p:clrMapOvr>
+    <a:masterClrMapping/>
+  </p:clrMapOvr>
+</p:sld>
+</file>
+
+<file path=ppt/slides/slide21.xml><?xml version="1.0" encoding="utf-8"?>
 <p:sld xmlns:a="http://schemas.openxmlformats.org/drawingml/2006/main" xmlns:r="http://schemas.openxmlformats.org/officeDocument/2006/relationships" xmlns:p="http://schemas.openxmlformats.org/presentationml/2006/main">
   <p:cSld>
     <p:spTree>
@@ -6856,7 +6975,7 @@
 </p:sld>
 </file>
 
-<file path=ppt/slides/slide21.xml><?xml version="1.0" encoding="utf-8"?>
+<file path=ppt/slides/slide22.xml><?xml version="1.0" encoding="utf-8"?>
 <p:sld xmlns:a="http://schemas.openxmlformats.org/drawingml/2006/main" xmlns:r="http://schemas.openxmlformats.org/officeDocument/2006/relationships" xmlns:p="http://schemas.openxmlformats.org/presentationml/2006/main">
   <p:cSld>
     <p:bg>
@@ -7063,7 +7182,7 @@
 </p:sld>
 </file>
 
-<file path=ppt/slides/slide22.xml><?xml version="1.0" encoding="utf-8"?>
+<file path=ppt/slides/slide23.xml><?xml version="1.0" encoding="utf-8"?>
 <p:sld xmlns:a="http://schemas.openxmlformats.org/drawingml/2006/main" xmlns:r="http://schemas.openxmlformats.org/officeDocument/2006/relationships" xmlns:p="http://schemas.openxmlformats.org/presentationml/2006/main">
   <p:cSld>
     <p:spTree>
@@ -7170,7 +7289,7 @@
 </p:sld>
 </file>
 
-<file path=ppt/slides/slide23.xml><?xml version="1.0" encoding="utf-8"?>
+<file path=ppt/slides/slide24.xml><?xml version="1.0" encoding="utf-8"?>
 <p:sld xmlns:a="http://schemas.openxmlformats.org/drawingml/2006/main" xmlns:r="http://schemas.openxmlformats.org/officeDocument/2006/relationships" xmlns:p="http://schemas.openxmlformats.org/presentationml/2006/main">
   <p:cSld>
     <p:bg>
@@ -7377,7 +7496,7 @@
 </p:sld>
 </file>
 
-<file path=ppt/slides/slide24.xml><?xml version="1.0" encoding="utf-8"?>
+<file path=ppt/slides/slide25.xml><?xml version="1.0" encoding="utf-8"?>
 <p:sld xmlns:a="http://schemas.openxmlformats.org/drawingml/2006/main" xmlns:r="http://schemas.openxmlformats.org/officeDocument/2006/relationships" xmlns:p="http://schemas.openxmlformats.org/presentationml/2006/main">
   <p:cSld>
     <p:spTree>
@@ -7609,7 +7728,7 @@
 </p:sld>
 </file>
 
-<file path=ppt/slides/slide25.xml><?xml version="1.0" encoding="utf-8"?>
+<file path=ppt/slides/slide26.xml><?xml version="1.0" encoding="utf-8"?>
 <p:sld xmlns:a="http://schemas.openxmlformats.org/drawingml/2006/main" xmlns:r="http://schemas.openxmlformats.org/officeDocument/2006/relationships" xmlns:p="http://schemas.openxmlformats.org/presentationml/2006/main">
   <p:cSld>
     <p:spTree>
@@ -7815,7 +7934,7 @@
 </p:sld>
 </file>
 
-<file path=ppt/slides/slide26.xml><?xml version="1.0" encoding="utf-8"?>
+<file path=ppt/slides/slide27.xml><?xml version="1.0" encoding="utf-8"?>
 <p:sld xmlns:a="http://schemas.openxmlformats.org/drawingml/2006/main" xmlns:r="http://schemas.openxmlformats.org/officeDocument/2006/relationships" xmlns:p="http://schemas.openxmlformats.org/presentationml/2006/main">
   <p:cSld>
     <p:spTree>
@@ -8016,7 +8135,7 @@
 </p:sld>
 </file>
 
-<file path=ppt/slides/slide27.xml><?xml version="1.0" encoding="utf-8"?>
+<file path=ppt/slides/slide28.xml><?xml version="1.0" encoding="utf-8"?>
 <p:sld xmlns:a="http://schemas.openxmlformats.org/drawingml/2006/main" xmlns:r="http://schemas.openxmlformats.org/officeDocument/2006/relationships" xmlns:p="http://schemas.openxmlformats.org/presentationml/2006/main">
   <p:cSld>
     <p:spTree>
@@ -14474,7 +14593,7 @@
 </p:sld>
 </file>
 
-<file path=ppt/slides/slide28.xml><?xml version="1.0" encoding="utf-8"?>
+<file path=ppt/slides/slide29.xml><?xml version="1.0" encoding="utf-8"?>
 <p:sld xmlns:a="http://schemas.openxmlformats.org/drawingml/2006/main" xmlns:r="http://schemas.openxmlformats.org/officeDocument/2006/relationships" xmlns:p="http://schemas.openxmlformats.org/presentationml/2006/main">
   <p:cSld>
     <p:spTree>
@@ -14661,7 +14780,268 @@
 </p:sld>
 </file>
 
-<file path=ppt/slides/slide29.xml><?xml version="1.0" encoding="utf-8"?>
+<file path=ppt/slides/slide3.xml><?xml version="1.0" encoding="utf-8"?>
+<p:sld xmlns:a="http://schemas.openxmlformats.org/drawingml/2006/main" xmlns:r="http://schemas.openxmlformats.org/officeDocument/2006/relationships" xmlns:p="http://schemas.openxmlformats.org/presentationml/2006/main">
+  <p:cSld>
+    <p:spTree>
+      <p:nvGrpSpPr>
+        <p:cNvPr id="1" name=""/>
+        <p:cNvGrpSpPr/>
+        <p:nvPr/>
+      </p:nvGrpSpPr>
+      <p:grpSpPr>
+        <a:xfrm>
+          <a:off x="0" y="0"/>
+          <a:ext cx="0" cy="0"/>
+          <a:chOff x="0" y="0"/>
+          <a:chExt cx="0" cy="0"/>
+        </a:xfrm>
+      </p:grpSpPr>
+      <p:sp>
+        <p:nvSpPr>
+          <p:cNvPr id="2" name="Title 1">
+            <a:extLst>
+              <a:ext uri="{FF2B5EF4-FFF2-40B4-BE49-F238E27FC236}">
+                <a16:creationId xmlns:a16="http://schemas.microsoft.com/office/drawing/2014/main" id="{6902BBD3-1236-4D52-B9A1-AD4DF8D0B35C}"/>
+              </a:ext>
+            </a:extLst>
+          </p:cNvPr>
+          <p:cNvSpPr>
+            <a:spLocks noGrp="1"/>
+          </p:cNvSpPr>
+          <p:nvPr>
+            <p:ph type="ctrTitle"/>
+          </p:nvPr>
+        </p:nvSpPr>
+        <p:spPr>
+          <a:xfrm>
+            <a:off x="0" y="177800"/>
+            <a:ext cx="4064000" cy="838345"/>
+          </a:xfrm>
+        </p:spPr>
+        <p:txBody>
+          <a:bodyPr>
+            <a:normAutofit/>
+          </a:bodyPr>
+          <a:lstStyle/>
+          <a:p>
+            <a:r>
+              <a:rPr lang="en-US" sz="4800" dirty="0"/>
+              <a:t>Introduction</a:t>
+            </a:r>
+          </a:p>
+        </p:txBody>
+      </p:sp>
+      <p:sp>
+        <p:nvSpPr>
+          <p:cNvPr id="4" name="Rectangle 3">
+            <a:extLst>
+              <a:ext uri="{FF2B5EF4-FFF2-40B4-BE49-F238E27FC236}">
+                <a16:creationId xmlns:a16="http://schemas.microsoft.com/office/drawing/2014/main" id="{E047EE89-079E-4738-A25D-4F331F85E4DD}"/>
+              </a:ext>
+            </a:extLst>
+          </p:cNvPr>
+          <p:cNvSpPr/>
+          <p:nvPr/>
+        </p:nvSpPr>
+        <p:spPr>
+          <a:xfrm>
+            <a:off x="914398" y="1390978"/>
+            <a:ext cx="8886549" cy="2723823"/>
+          </a:xfrm>
+          <a:prstGeom prst="rect">
+            <a:avLst/>
+          </a:prstGeom>
+        </p:spPr>
+        <p:txBody>
+          <a:bodyPr wrap="square" anchor="b">
+            <a:spAutoFit/>
+          </a:bodyPr>
+          <a:lstStyle/>
+          <a:p>
+            <a:pPr marL="285750" indent="-285750" algn="just">
+              <a:lnSpc>
+                <a:spcPct val="150000"/>
+              </a:lnSpc>
+              <a:buFont typeface="Arial" panose="020B0604020202020204" pitchFamily="34" charset="0"/>
+              <a:buChar char="•"/>
+            </a:pPr>
+            <a:r>
+              <a:rPr lang="en-US" altLang="zh-CN" dirty="0">
+                <a:solidFill>
+                  <a:srgbClr val="000000"/>
+                </a:solidFill>
+                <a:ea typeface="Yu Mincho" panose="02020400000000000000" pitchFamily="18" charset="-128"/>
+                <a:cs typeface="Times New Roman" panose="02020603050405020304" pitchFamily="18" charset="0"/>
+              </a:rPr>
+              <a:t>Object detection and image classification are at the forefront of computer vision technologies found throughout society today. Recent advancements in facial-detection-based surveillance in the security industry, pedestrian and sign detection in self-driving cars, and automated valuation of properties are all applications of this cutting-edge technology.</a:t>
+            </a:r>
+          </a:p>
+          <a:p>
+            <a:pPr marL="285750" indent="-285750" algn="just">
+              <a:buFont typeface="Arial" panose="020B0604020202020204" pitchFamily="34" charset="0"/>
+              <a:buChar char="•"/>
+            </a:pPr>
+            <a:endParaRPr lang="en-US" altLang="zh-CN" dirty="0">
+              <a:solidFill>
+                <a:srgbClr val="000000"/>
+              </a:solidFill>
+              <a:ea typeface="Yu Mincho" panose="02020400000000000000" pitchFamily="18" charset="-128"/>
+              <a:cs typeface="Times New Roman" panose="02020603050405020304" pitchFamily="18" charset="0"/>
+            </a:endParaRPr>
+          </a:p>
+          <a:p>
+            <a:pPr marL="285750" indent="-285750" algn="just">
+              <a:buFont typeface="Arial" panose="020B0604020202020204" pitchFamily="34" charset="0"/>
+              <a:buChar char="•"/>
+            </a:pPr>
+            <a:r>
+              <a:rPr lang="en-US" altLang="zh-CN" dirty="0"/>
+              <a:t>We want to:</a:t>
+            </a:r>
+          </a:p>
+        </p:txBody>
+      </p:sp>
+      <p:pic>
+        <p:nvPicPr>
+          <p:cNvPr id="5" name="Picture 4">
+            <a:extLst>
+              <a:ext uri="{FF2B5EF4-FFF2-40B4-BE49-F238E27FC236}">
+                <a16:creationId xmlns:a16="http://schemas.microsoft.com/office/drawing/2014/main" id="{2137997F-7705-4089-9B3D-02E6D43B4F7A}"/>
+              </a:ext>
+            </a:extLst>
+          </p:cNvPr>
+          <p:cNvPicPr>
+            <a:picLocks noChangeAspect="1"/>
+          </p:cNvPicPr>
+          <p:nvPr/>
+        </p:nvPicPr>
+        <p:blipFill>
+          <a:blip r:embed="rId2"/>
+          <a:stretch>
+            <a:fillRect/>
+          </a:stretch>
+        </p:blipFill>
+        <p:spPr>
+          <a:xfrm>
+            <a:off x="10280073" y="0"/>
+            <a:ext cx="2019300" cy="1714500"/>
+          </a:xfrm>
+          <a:prstGeom prst="ellipse">
+            <a:avLst/>
+          </a:prstGeom>
+          <a:ln>
+            <a:noFill/>
+          </a:ln>
+          <a:effectLst>
+            <a:softEdge rad="112500"/>
+          </a:effectLst>
+        </p:spPr>
+      </p:pic>
+      <p:sp>
+        <p:nvSpPr>
+          <p:cNvPr id="8" name="Rectangle 7">
+            <a:extLst>
+              <a:ext uri="{FF2B5EF4-FFF2-40B4-BE49-F238E27FC236}">
+                <a16:creationId xmlns:a16="http://schemas.microsoft.com/office/drawing/2014/main" id="{C357B3FE-5657-4CF2-AF8A-C0C43FD6EA00}"/>
+              </a:ext>
+            </a:extLst>
+          </p:cNvPr>
+          <p:cNvSpPr/>
+          <p:nvPr/>
+        </p:nvSpPr>
+        <p:spPr>
+          <a:xfrm>
+            <a:off x="2432481" y="4323121"/>
+            <a:ext cx="10289220" cy="1846659"/>
+          </a:xfrm>
+          <a:prstGeom prst="rect">
+            <a:avLst/>
+          </a:prstGeom>
+        </p:spPr>
+        <p:txBody>
+          <a:bodyPr wrap="square">
+            <a:spAutoFit/>
+          </a:bodyPr>
+          <a:lstStyle/>
+          <a:p>
+            <a:pPr marL="285750" indent="-285750" algn="just">
+              <a:lnSpc>
+                <a:spcPct val="150000"/>
+              </a:lnSpc>
+              <a:buFont typeface="Arial" panose="020B0604020202020204" pitchFamily="34" charset="0"/>
+              <a:buChar char="•"/>
+            </a:pPr>
+            <a:r>
+              <a:rPr lang="en-US" altLang="zh-CN" sz="1600" dirty="0"/>
+              <a:t>Classify Simpson characters from images and from videos</a:t>
+            </a:r>
+          </a:p>
+          <a:p>
+            <a:pPr marL="285750" indent="-285750" algn="just">
+              <a:lnSpc>
+                <a:spcPct val="150000"/>
+              </a:lnSpc>
+              <a:buFont typeface="Arial" panose="020B0604020202020204" pitchFamily="34" charset="0"/>
+              <a:buChar char="•"/>
+            </a:pPr>
+            <a:r>
+              <a:rPr lang="en-US" altLang="zh-CN" sz="1600" dirty="0"/>
+              <a:t>Extend this functionality when we have multiple characters in an image. </a:t>
+            </a:r>
+          </a:p>
+          <a:p>
+            <a:pPr marL="285750" indent="-285750" algn="just">
+              <a:lnSpc>
+                <a:spcPct val="150000"/>
+              </a:lnSpc>
+              <a:buFont typeface="Arial" panose="020B0604020202020204" pitchFamily="34" charset="0"/>
+              <a:buChar char="•"/>
+            </a:pPr>
+            <a:r>
+              <a:rPr lang="en-US" altLang="zh-CN" sz="1600" dirty="0"/>
+              <a:t>Be able to recognize each individual character and draw bounding box around each</a:t>
+            </a:r>
+          </a:p>
+          <a:p>
+            <a:pPr marL="285750" indent="-285750" algn="just">
+              <a:lnSpc>
+                <a:spcPct val="150000"/>
+              </a:lnSpc>
+              <a:buFont typeface="Arial" panose="020B0604020202020204" pitchFamily="34" charset="0"/>
+              <a:buChar char="•"/>
+            </a:pPr>
+            <a:r>
+              <a:rPr lang="en-US" altLang="zh-CN" sz="1600" dirty="0"/>
+              <a:t>Have good interface to perform the classification</a:t>
+            </a:r>
+          </a:p>
+          <a:p>
+            <a:pPr algn="just"/>
+            <a:endParaRPr lang="en-US" altLang="zh-CN" dirty="0">
+              <a:solidFill>
+                <a:srgbClr val="000000"/>
+              </a:solidFill>
+              <a:ea typeface="Yu Mincho" panose="02020400000000000000" pitchFamily="18" charset="-128"/>
+              <a:cs typeface="Times New Roman" panose="02020603050405020304" pitchFamily="18" charset="0"/>
+            </a:endParaRPr>
+          </a:p>
+        </p:txBody>
+      </p:sp>
+    </p:spTree>
+    <p:extLst>
+      <p:ext uri="{BB962C8B-B14F-4D97-AF65-F5344CB8AC3E}">
+        <p14:creationId xmlns:p14="http://schemas.microsoft.com/office/powerpoint/2010/main" val="824143865"/>
+      </p:ext>
+    </p:extLst>
+  </p:cSld>
+  <p:clrMapOvr>
+    <a:masterClrMapping/>
+  </p:clrMapOvr>
+</p:sld>
+</file>
+
+<file path=ppt/slides/slide30.xml><?xml version="1.0" encoding="utf-8"?>
 <p:sld xmlns:a="http://schemas.openxmlformats.org/drawingml/2006/main" xmlns:r="http://schemas.openxmlformats.org/officeDocument/2006/relationships" xmlns:p="http://schemas.openxmlformats.org/presentationml/2006/main">
   <p:cSld>
     <p:spTree>
@@ -14972,268 +15352,7 @@
 </p:sld>
 </file>
 
-<file path=ppt/slides/slide3.xml><?xml version="1.0" encoding="utf-8"?>
-<p:sld xmlns:a="http://schemas.openxmlformats.org/drawingml/2006/main" xmlns:r="http://schemas.openxmlformats.org/officeDocument/2006/relationships" xmlns:p="http://schemas.openxmlformats.org/presentationml/2006/main">
-  <p:cSld>
-    <p:spTree>
-      <p:nvGrpSpPr>
-        <p:cNvPr id="1" name=""/>
-        <p:cNvGrpSpPr/>
-        <p:nvPr/>
-      </p:nvGrpSpPr>
-      <p:grpSpPr>
-        <a:xfrm>
-          <a:off x="0" y="0"/>
-          <a:ext cx="0" cy="0"/>
-          <a:chOff x="0" y="0"/>
-          <a:chExt cx="0" cy="0"/>
-        </a:xfrm>
-      </p:grpSpPr>
-      <p:sp>
-        <p:nvSpPr>
-          <p:cNvPr id="2" name="Title 1">
-            <a:extLst>
-              <a:ext uri="{FF2B5EF4-FFF2-40B4-BE49-F238E27FC236}">
-                <a16:creationId xmlns:a16="http://schemas.microsoft.com/office/drawing/2014/main" id="{6902BBD3-1236-4D52-B9A1-AD4DF8D0B35C}"/>
-              </a:ext>
-            </a:extLst>
-          </p:cNvPr>
-          <p:cNvSpPr>
-            <a:spLocks noGrp="1"/>
-          </p:cNvSpPr>
-          <p:nvPr>
-            <p:ph type="ctrTitle"/>
-          </p:nvPr>
-        </p:nvSpPr>
-        <p:spPr>
-          <a:xfrm>
-            <a:off x="0" y="177800"/>
-            <a:ext cx="4064000" cy="838345"/>
-          </a:xfrm>
-        </p:spPr>
-        <p:txBody>
-          <a:bodyPr>
-            <a:normAutofit/>
-          </a:bodyPr>
-          <a:lstStyle/>
-          <a:p>
-            <a:r>
-              <a:rPr lang="en-US" sz="4800" dirty="0"/>
-              <a:t>Introduction</a:t>
-            </a:r>
-          </a:p>
-        </p:txBody>
-      </p:sp>
-      <p:sp>
-        <p:nvSpPr>
-          <p:cNvPr id="4" name="Rectangle 3">
-            <a:extLst>
-              <a:ext uri="{FF2B5EF4-FFF2-40B4-BE49-F238E27FC236}">
-                <a16:creationId xmlns:a16="http://schemas.microsoft.com/office/drawing/2014/main" id="{E047EE89-079E-4738-A25D-4F331F85E4DD}"/>
-              </a:ext>
-            </a:extLst>
-          </p:cNvPr>
-          <p:cNvSpPr/>
-          <p:nvPr/>
-        </p:nvSpPr>
-        <p:spPr>
-          <a:xfrm>
-            <a:off x="914398" y="1390978"/>
-            <a:ext cx="8886549" cy="2723823"/>
-          </a:xfrm>
-          <a:prstGeom prst="rect">
-            <a:avLst/>
-          </a:prstGeom>
-        </p:spPr>
-        <p:txBody>
-          <a:bodyPr wrap="square" anchor="b">
-            <a:spAutoFit/>
-          </a:bodyPr>
-          <a:lstStyle/>
-          <a:p>
-            <a:pPr marL="285750" indent="-285750" algn="just">
-              <a:lnSpc>
-                <a:spcPct val="150000"/>
-              </a:lnSpc>
-              <a:buFont typeface="Arial" panose="020B0604020202020204" pitchFamily="34" charset="0"/>
-              <a:buChar char="•"/>
-            </a:pPr>
-            <a:r>
-              <a:rPr lang="en-US" altLang="zh-CN" dirty="0">
-                <a:solidFill>
-                  <a:srgbClr val="000000"/>
-                </a:solidFill>
-                <a:ea typeface="Yu Mincho" panose="02020400000000000000" pitchFamily="18" charset="-128"/>
-                <a:cs typeface="Times New Roman" panose="02020603050405020304" pitchFamily="18" charset="0"/>
-              </a:rPr>
-              <a:t>Object detection and image classification are at the forefront of computer vision technologies found throughout society today. Recent advancements in facial-detection-based surveillance in the security industry, pedestrian and sign detection in self-driving cars, and automated valuation of properties are all applications of this cutting-edge technology.</a:t>
-            </a:r>
-          </a:p>
-          <a:p>
-            <a:pPr marL="285750" indent="-285750" algn="just">
-              <a:buFont typeface="Arial" panose="020B0604020202020204" pitchFamily="34" charset="0"/>
-              <a:buChar char="•"/>
-            </a:pPr>
-            <a:endParaRPr lang="en-US" altLang="zh-CN" dirty="0">
-              <a:solidFill>
-                <a:srgbClr val="000000"/>
-              </a:solidFill>
-              <a:ea typeface="Yu Mincho" panose="02020400000000000000" pitchFamily="18" charset="-128"/>
-              <a:cs typeface="Times New Roman" panose="02020603050405020304" pitchFamily="18" charset="0"/>
-            </a:endParaRPr>
-          </a:p>
-          <a:p>
-            <a:pPr marL="285750" indent="-285750" algn="just">
-              <a:buFont typeface="Arial" panose="020B0604020202020204" pitchFamily="34" charset="0"/>
-              <a:buChar char="•"/>
-            </a:pPr>
-            <a:r>
-              <a:rPr lang="en-US" altLang="zh-CN" dirty="0"/>
-              <a:t>We want to:</a:t>
-            </a:r>
-          </a:p>
-        </p:txBody>
-      </p:sp>
-      <p:pic>
-        <p:nvPicPr>
-          <p:cNvPr id="5" name="Picture 4">
-            <a:extLst>
-              <a:ext uri="{FF2B5EF4-FFF2-40B4-BE49-F238E27FC236}">
-                <a16:creationId xmlns:a16="http://schemas.microsoft.com/office/drawing/2014/main" id="{2137997F-7705-4089-9B3D-02E6D43B4F7A}"/>
-              </a:ext>
-            </a:extLst>
-          </p:cNvPr>
-          <p:cNvPicPr>
-            <a:picLocks noChangeAspect="1"/>
-          </p:cNvPicPr>
-          <p:nvPr/>
-        </p:nvPicPr>
-        <p:blipFill>
-          <a:blip r:embed="rId2"/>
-          <a:stretch>
-            <a:fillRect/>
-          </a:stretch>
-        </p:blipFill>
-        <p:spPr>
-          <a:xfrm>
-            <a:off x="10280073" y="0"/>
-            <a:ext cx="2019300" cy="1714500"/>
-          </a:xfrm>
-          <a:prstGeom prst="ellipse">
-            <a:avLst/>
-          </a:prstGeom>
-          <a:ln>
-            <a:noFill/>
-          </a:ln>
-          <a:effectLst>
-            <a:softEdge rad="112500"/>
-          </a:effectLst>
-        </p:spPr>
-      </p:pic>
-      <p:sp>
-        <p:nvSpPr>
-          <p:cNvPr id="8" name="Rectangle 7">
-            <a:extLst>
-              <a:ext uri="{FF2B5EF4-FFF2-40B4-BE49-F238E27FC236}">
-                <a16:creationId xmlns:a16="http://schemas.microsoft.com/office/drawing/2014/main" id="{C357B3FE-5657-4CF2-AF8A-C0C43FD6EA00}"/>
-              </a:ext>
-            </a:extLst>
-          </p:cNvPr>
-          <p:cNvSpPr/>
-          <p:nvPr/>
-        </p:nvSpPr>
-        <p:spPr>
-          <a:xfrm>
-            <a:off x="2432481" y="4323121"/>
-            <a:ext cx="10289220" cy="1846659"/>
-          </a:xfrm>
-          <a:prstGeom prst="rect">
-            <a:avLst/>
-          </a:prstGeom>
-        </p:spPr>
-        <p:txBody>
-          <a:bodyPr wrap="square">
-            <a:spAutoFit/>
-          </a:bodyPr>
-          <a:lstStyle/>
-          <a:p>
-            <a:pPr marL="285750" indent="-285750" algn="just">
-              <a:lnSpc>
-                <a:spcPct val="150000"/>
-              </a:lnSpc>
-              <a:buFont typeface="Arial" panose="020B0604020202020204" pitchFamily="34" charset="0"/>
-              <a:buChar char="•"/>
-            </a:pPr>
-            <a:r>
-              <a:rPr lang="en-US" altLang="zh-CN" sz="1600" dirty="0"/>
-              <a:t>Classify Simpson characters from images and from videos</a:t>
-            </a:r>
-          </a:p>
-          <a:p>
-            <a:pPr marL="285750" indent="-285750" algn="just">
-              <a:lnSpc>
-                <a:spcPct val="150000"/>
-              </a:lnSpc>
-              <a:buFont typeface="Arial" panose="020B0604020202020204" pitchFamily="34" charset="0"/>
-              <a:buChar char="•"/>
-            </a:pPr>
-            <a:r>
-              <a:rPr lang="en-US" altLang="zh-CN" sz="1600" dirty="0"/>
-              <a:t>Extend this functionality when we have multiple characters in an image. </a:t>
-            </a:r>
-          </a:p>
-          <a:p>
-            <a:pPr marL="285750" indent="-285750" algn="just">
-              <a:lnSpc>
-                <a:spcPct val="150000"/>
-              </a:lnSpc>
-              <a:buFont typeface="Arial" panose="020B0604020202020204" pitchFamily="34" charset="0"/>
-              <a:buChar char="•"/>
-            </a:pPr>
-            <a:r>
-              <a:rPr lang="en-US" altLang="zh-CN" sz="1600" dirty="0"/>
-              <a:t>Be able to recognize each individual character and draw bounding box around each</a:t>
-            </a:r>
-          </a:p>
-          <a:p>
-            <a:pPr marL="285750" indent="-285750" algn="just">
-              <a:lnSpc>
-                <a:spcPct val="150000"/>
-              </a:lnSpc>
-              <a:buFont typeface="Arial" panose="020B0604020202020204" pitchFamily="34" charset="0"/>
-              <a:buChar char="•"/>
-            </a:pPr>
-            <a:r>
-              <a:rPr lang="en-US" altLang="zh-CN" sz="1600" dirty="0"/>
-              <a:t>Have good interface to perform the classification</a:t>
-            </a:r>
-          </a:p>
-          <a:p>
-            <a:pPr algn="just"/>
-            <a:endParaRPr lang="en-US" altLang="zh-CN" dirty="0">
-              <a:solidFill>
-                <a:srgbClr val="000000"/>
-              </a:solidFill>
-              <a:ea typeface="Yu Mincho" panose="02020400000000000000" pitchFamily="18" charset="-128"/>
-              <a:cs typeface="Times New Roman" panose="02020603050405020304" pitchFamily="18" charset="0"/>
-            </a:endParaRPr>
-          </a:p>
-        </p:txBody>
-      </p:sp>
-    </p:spTree>
-    <p:extLst>
-      <p:ext uri="{BB962C8B-B14F-4D97-AF65-F5344CB8AC3E}">
-        <p14:creationId xmlns:p14="http://schemas.microsoft.com/office/powerpoint/2010/main" val="824143865"/>
-      </p:ext>
-    </p:extLst>
-  </p:cSld>
-  <p:clrMapOvr>
-    <a:masterClrMapping/>
-  </p:clrMapOvr>
-</p:sld>
-</file>
-
-<file path=ppt/slides/slide30.xml><?xml version="1.0" encoding="utf-8"?>
+<file path=ppt/slides/slide31.xml><?xml version="1.0" encoding="utf-8"?>
 <p:sld xmlns:a="http://schemas.openxmlformats.org/drawingml/2006/main" xmlns:r="http://schemas.openxmlformats.org/officeDocument/2006/relationships" xmlns:p="http://schemas.openxmlformats.org/presentationml/2006/main">
   <p:cSld>
     <p:bg>
@@ -15440,7 +15559,7 @@
 </p:sld>
 </file>
 
-<file path=ppt/slides/slide31.xml><?xml version="1.0" encoding="utf-8"?>
+<file path=ppt/slides/slide32.xml><?xml version="1.0" encoding="utf-8"?>
 <p:sld xmlns:a="http://schemas.openxmlformats.org/drawingml/2006/main" xmlns:r="http://schemas.openxmlformats.org/officeDocument/2006/relationships" xmlns:p="http://schemas.openxmlformats.org/presentationml/2006/main">
   <p:cSld>
     <p:spTree>
@@ -15575,7 +15694,7 @@
 </p:sld>
 </file>
 
-<file path=ppt/slides/slide32.xml><?xml version="1.0" encoding="utf-8"?>
+<file path=ppt/slides/slide33.xml><?xml version="1.0" encoding="utf-8"?>
 <p:sld xmlns:a="http://schemas.openxmlformats.org/drawingml/2006/main" xmlns:r="http://schemas.openxmlformats.org/officeDocument/2006/relationships" xmlns:p="http://schemas.openxmlformats.org/presentationml/2006/main">
   <p:cSld>
     <p:spTree>
@@ -15658,7 +15777,7 @@
 </p:sld>
 </file>
 
-<file path=ppt/slides/slide33.xml><?xml version="1.0" encoding="utf-8"?>
+<file path=ppt/slides/slide34.xml><?xml version="1.0" encoding="utf-8"?>
 <p:sld xmlns:a="http://schemas.openxmlformats.org/drawingml/2006/main" xmlns:r="http://schemas.openxmlformats.org/officeDocument/2006/relationships" xmlns:p="http://schemas.openxmlformats.org/presentationml/2006/main">
   <p:cSld>
     <p:spTree>
@@ -15793,7 +15912,113 @@
 </p:sld>
 </file>
 
-<file path=ppt/slides/slide34.xml><?xml version="1.0" encoding="utf-8"?>
+<file path=ppt/slides/slide35.xml><?xml version="1.0" encoding="utf-8"?>
+<p:sld xmlns:a="http://schemas.openxmlformats.org/drawingml/2006/main" xmlns:r="http://schemas.openxmlformats.org/officeDocument/2006/relationships" xmlns:p="http://schemas.openxmlformats.org/presentationml/2006/main">
+  <p:cSld>
+    <p:spTree>
+      <p:nvGrpSpPr>
+        <p:cNvPr id="1" name=""/>
+        <p:cNvGrpSpPr/>
+        <p:nvPr/>
+      </p:nvGrpSpPr>
+      <p:grpSpPr>
+        <a:xfrm>
+          <a:off x="0" y="0"/>
+          <a:ext cx="0" cy="0"/>
+          <a:chOff x="0" y="0"/>
+          <a:chExt cx="0" cy="0"/>
+        </a:xfrm>
+      </p:grpSpPr>
+      <p:sp>
+        <p:nvSpPr>
+          <p:cNvPr id="2" name="Title 1">
+            <a:extLst>
+              <a:ext uri="{FF2B5EF4-FFF2-40B4-BE49-F238E27FC236}">
+                <a16:creationId xmlns:a16="http://schemas.microsoft.com/office/drawing/2014/main" id="{6902BBD3-1236-4D52-B9A1-AD4DF8D0B35C}"/>
+              </a:ext>
+            </a:extLst>
+          </p:cNvPr>
+          <p:cNvSpPr>
+            <a:spLocks noGrp="1"/>
+          </p:cNvSpPr>
+          <p:nvPr>
+            <p:ph type="ctrTitle"/>
+          </p:nvPr>
+        </p:nvSpPr>
+        <p:spPr>
+          <a:xfrm>
+            <a:off x="217714" y="888274"/>
+            <a:ext cx="11756571" cy="1184774"/>
+          </a:xfrm>
+        </p:spPr>
+        <p:txBody>
+          <a:bodyPr/>
+          <a:lstStyle/>
+          <a:p>
+            <a:r>
+              <a:rPr lang="en-US" dirty="0"/>
+              <a:t>Stretch Goals #4 – Cloud Computing</a:t>
+            </a:r>
+          </a:p>
+        </p:txBody>
+      </p:sp>
+      <p:sp>
+        <p:nvSpPr>
+          <p:cNvPr id="3" name="Subtitle 2">
+            <a:extLst>
+              <a:ext uri="{FF2B5EF4-FFF2-40B4-BE49-F238E27FC236}">
+                <a16:creationId xmlns:a16="http://schemas.microsoft.com/office/drawing/2014/main" id="{0CD2B805-351F-4720-9B6A-DD87484BA767}"/>
+              </a:ext>
+            </a:extLst>
+          </p:cNvPr>
+          <p:cNvSpPr>
+            <a:spLocks noGrp="1"/>
+          </p:cNvSpPr>
+          <p:nvPr>
+            <p:ph type="subTitle" idx="1"/>
+          </p:nvPr>
+        </p:nvSpPr>
+        <p:spPr/>
+        <p:txBody>
+          <a:bodyPr/>
+          <a:lstStyle/>
+          <a:p>
+            <a:r>
+              <a:rPr lang="en-US" dirty="0" err="1"/>
+              <a:t>Zegang</a:t>
+            </a:r>
+            <a:r>
+              <a:rPr lang="en-US" dirty="0"/>
+              <a:t> &amp; </a:t>
+            </a:r>
+            <a:r>
+              <a:rPr lang="en-US" dirty="0" err="1"/>
+              <a:t>Yinchen</a:t>
+            </a:r>
+            <a:endParaRPr lang="en-US" dirty="0"/>
+          </a:p>
+          <a:p>
+            <a:r>
+              <a:rPr lang="en-US" dirty="0"/>
+              <a:t>Focused on AWS compute services</a:t>
+            </a:r>
+          </a:p>
+        </p:txBody>
+      </p:sp>
+    </p:spTree>
+    <p:extLst>
+      <p:ext uri="{BB962C8B-B14F-4D97-AF65-F5344CB8AC3E}">
+        <p14:creationId xmlns:p14="http://schemas.microsoft.com/office/powerpoint/2010/main" val="3669755408"/>
+      </p:ext>
+    </p:extLst>
+  </p:cSld>
+  <p:clrMapOvr>
+    <a:masterClrMapping/>
+  </p:clrMapOvr>
+</p:sld>
+</file>
+
+<file path=ppt/slides/slide36.xml><?xml version="1.0" encoding="utf-8"?>
 <p:sld xmlns:a="http://schemas.openxmlformats.org/drawingml/2006/main" xmlns:r="http://schemas.openxmlformats.org/officeDocument/2006/relationships" xmlns:p="http://schemas.openxmlformats.org/presentationml/2006/main">
   <p:cSld>
     <p:spTree>
@@ -15983,7 +16208,7 @@
 </p:sld>
 </file>
 
-<file path=ppt/slides/slide35.xml><?xml version="1.0" encoding="utf-8"?>
+<file path=ppt/slides/slide37.xml><?xml version="1.0" encoding="utf-8"?>
 <p:sld xmlns:a="http://schemas.openxmlformats.org/drawingml/2006/main" xmlns:r="http://schemas.openxmlformats.org/officeDocument/2006/relationships" xmlns:p="http://schemas.openxmlformats.org/presentationml/2006/main">
   <p:cSld>
     <p:spTree>
@@ -16118,7 +16343,7 @@
 </p:sld>
 </file>
 
-<file path=ppt/slides/slide36.xml><?xml version="1.0" encoding="utf-8"?>
+<file path=ppt/slides/slide38.xml><?xml version="1.0" encoding="utf-8"?>
 <p:sld xmlns:a="http://schemas.openxmlformats.org/drawingml/2006/main" xmlns:r="http://schemas.openxmlformats.org/officeDocument/2006/relationships" xmlns:p="http://schemas.openxmlformats.org/presentationml/2006/main">
   <p:cSld>
     <p:spTree>
@@ -16201,7 +16426,7 @@
 </p:sld>
 </file>
 
-<file path=ppt/slides/slide37.xml><?xml version="1.0" encoding="utf-8"?>
+<file path=ppt/slides/slide39.xml><?xml version="1.0" encoding="utf-8"?>
 <p:sld xmlns:a="http://schemas.openxmlformats.org/drawingml/2006/main" xmlns:r="http://schemas.openxmlformats.org/officeDocument/2006/relationships" xmlns:p="http://schemas.openxmlformats.org/presentationml/2006/main">
   <p:cSld>
     <p:spTree>
@@ -16429,501 +16654,6 @@
 </p:sld>
 </file>
 
-<file path=ppt/slides/slide38.xml><?xml version="1.0" encoding="utf-8"?>
-<p:sld xmlns:a="http://schemas.openxmlformats.org/drawingml/2006/main" xmlns:r="http://schemas.openxmlformats.org/officeDocument/2006/relationships" xmlns:p="http://schemas.openxmlformats.org/presentationml/2006/main">
-  <p:cSld>
-    <p:spTree>
-      <p:nvGrpSpPr>
-        <p:cNvPr id="1" name=""/>
-        <p:cNvGrpSpPr/>
-        <p:nvPr/>
-      </p:nvGrpSpPr>
-      <p:grpSpPr>
-        <a:xfrm>
-          <a:off x="0" y="0"/>
-          <a:ext cx="0" cy="0"/>
-          <a:chOff x="0" y="0"/>
-          <a:chExt cx="0" cy="0"/>
-        </a:xfrm>
-      </p:grpSpPr>
-      <p:sp>
-        <p:nvSpPr>
-          <p:cNvPr id="2" name="Title 1">
-            <a:extLst>
-              <a:ext uri="{FF2B5EF4-FFF2-40B4-BE49-F238E27FC236}">
-                <a16:creationId xmlns:a16="http://schemas.microsoft.com/office/drawing/2014/main" id="{6902BBD3-1236-4D52-B9A1-AD4DF8D0B35C}"/>
-              </a:ext>
-            </a:extLst>
-          </p:cNvPr>
-          <p:cNvSpPr>
-            <a:spLocks noGrp="1"/>
-          </p:cNvSpPr>
-          <p:nvPr>
-            <p:ph type="title"/>
-          </p:nvPr>
-        </p:nvSpPr>
-        <p:spPr/>
-        <p:txBody>
-          <a:bodyPr/>
-          <a:lstStyle/>
-          <a:p>
-            <a:r>
-              <a:rPr lang="en-US" dirty="0"/>
-              <a:t>References</a:t>
-            </a:r>
-          </a:p>
-        </p:txBody>
-      </p:sp>
-      <p:sp>
-        <p:nvSpPr>
-          <p:cNvPr id="6" name="Content Placeholder 5">
-            <a:extLst>
-              <a:ext uri="{FF2B5EF4-FFF2-40B4-BE49-F238E27FC236}">
-                <a16:creationId xmlns:a16="http://schemas.microsoft.com/office/drawing/2014/main" id="{5E0D9A17-18E2-4773-BAAC-B7CB96EA1CD9}"/>
-              </a:ext>
-            </a:extLst>
-          </p:cNvPr>
-          <p:cNvSpPr>
-            <a:spLocks noGrp="1"/>
-          </p:cNvSpPr>
-          <p:nvPr>
-            <p:ph idx="1"/>
-          </p:nvPr>
-        </p:nvSpPr>
-        <p:spPr>
-          <a:xfrm>
-            <a:off x="838200" y="1825625"/>
-            <a:ext cx="10515600" cy="4351338"/>
-          </a:xfrm>
-        </p:spPr>
-        <p:txBody>
-          <a:bodyPr>
-            <a:normAutofit fontScale="62500" lnSpcReduction="20000"/>
-          </a:bodyPr>
-          <a:lstStyle/>
-          <a:p>
-            <a:pPr marL="0" indent="0">
-              <a:buNone/>
-            </a:pPr>
-            <a:r>
-              <a:rPr lang="en-US" dirty="0" err="1"/>
-              <a:t>alexattia</a:t>
-            </a:r>
-            <a:r>
-              <a:rPr lang="en-US" dirty="0"/>
-              <a:t>. (2018). </a:t>
-            </a:r>
-            <a:r>
-              <a:rPr lang="en-US" i="1" dirty="0"/>
-              <a:t>The Simpsons Character Dataset</a:t>
-            </a:r>
-            <a:r>
-              <a:rPr lang="en-US" dirty="0"/>
-              <a:t>. Retrieved from Kaggle: </a:t>
-            </a:r>
-          </a:p>
-          <a:p>
-            <a:pPr marL="0" indent="0">
-              <a:buNone/>
-            </a:pPr>
-            <a:r>
-              <a:rPr lang="en-US" dirty="0"/>
-              <a:t>	https://www.kaggle.com/alexattia/the-simpsons-characters-dataset</a:t>
-            </a:r>
-          </a:p>
-          <a:p>
-            <a:pPr marL="0" indent="0">
-              <a:buNone/>
-            </a:pPr>
-            <a:endParaRPr lang="en-US" dirty="0"/>
-          </a:p>
-          <a:p>
-            <a:pPr marL="0" indent="0">
-              <a:buNone/>
-            </a:pPr>
-            <a:r>
-              <a:rPr lang="en-US" dirty="0"/>
-              <a:t>Brownlee, J. (2017, August 21). </a:t>
-            </a:r>
-            <a:r>
-              <a:rPr lang="en-US" i="1" dirty="0"/>
-              <a:t>CNN Long Short-Term Memory Networks</a:t>
-            </a:r>
-            <a:r>
-              <a:rPr lang="en-US" dirty="0"/>
-              <a:t>. Retrieved </a:t>
-            </a:r>
-          </a:p>
-          <a:p>
-            <a:pPr marL="0" indent="0">
-              <a:buNone/>
-            </a:pPr>
-            <a:r>
-              <a:rPr lang="en-US" dirty="0"/>
-              <a:t>	from Machine Learning Mastery: https://machinelearningmastery.com/cnn-</a:t>
-            </a:r>
-          </a:p>
-          <a:p>
-            <a:pPr marL="0" indent="0">
-              <a:buNone/>
-            </a:pPr>
-            <a:r>
-              <a:rPr lang="en-US" dirty="0"/>
-              <a:t>	long-short-term-memory-networks/</a:t>
-            </a:r>
-          </a:p>
-          <a:p>
-            <a:pPr marL="0" indent="0">
-              <a:buNone/>
-            </a:pPr>
-            <a:endParaRPr lang="en-US" dirty="0"/>
-          </a:p>
-          <a:p>
-            <a:pPr marL="0" indent="0">
-              <a:buNone/>
-            </a:pPr>
-            <a:r>
-              <a:rPr lang="en-US" dirty="0" err="1"/>
-              <a:t>Chollet</a:t>
-            </a:r>
-            <a:r>
-              <a:rPr lang="en-US" dirty="0"/>
-              <a:t>, F. (2016, June 5). </a:t>
-            </a:r>
-            <a:r>
-              <a:rPr lang="en-US" i="1" dirty="0"/>
-              <a:t>Building powerful image classification models using very little data</a:t>
-            </a:r>
-            <a:r>
-              <a:rPr lang="en-US" dirty="0"/>
-              <a:t>. </a:t>
-            </a:r>
-          </a:p>
-          <a:p>
-            <a:pPr marL="0" indent="0">
-              <a:buNone/>
-            </a:pPr>
-            <a:r>
-              <a:rPr lang="en-US" dirty="0"/>
-              <a:t>	Retrieved from The </a:t>
-            </a:r>
-            <a:r>
-              <a:rPr lang="en-US" dirty="0" err="1"/>
-              <a:t>Keras</a:t>
-            </a:r>
-            <a:r>
-              <a:rPr lang="en-US" dirty="0"/>
-              <a:t> Blog: https://blog.keras.io/building-powerful-image-</a:t>
-            </a:r>
-          </a:p>
-          <a:p>
-            <a:pPr marL="0" indent="0">
-              <a:buNone/>
-            </a:pPr>
-            <a:r>
-              <a:rPr lang="en-US" dirty="0"/>
-              <a:t>	classification-models-using-very-little-data.html</a:t>
-            </a:r>
-          </a:p>
-          <a:p>
-            <a:pPr marL="0" indent="0">
-              <a:buNone/>
-            </a:pPr>
-            <a:endParaRPr lang="en-US" dirty="0"/>
-          </a:p>
-          <a:p>
-            <a:pPr marL="0" indent="0">
-              <a:buNone/>
-            </a:pPr>
-            <a:r>
-              <a:rPr lang="en-US" dirty="0"/>
-              <a:t>Crawford, C. (2016, November 4). </a:t>
-            </a:r>
-            <a:r>
-              <a:rPr lang="en-US" i="1" dirty="0"/>
-              <a:t>An Introduction to Deep Learning</a:t>
-            </a:r>
-            <a:r>
-              <a:rPr lang="en-US" dirty="0"/>
-              <a:t>. Retrieved from </a:t>
-            </a:r>
-            <a:r>
-              <a:rPr lang="en-US" dirty="0" err="1"/>
-              <a:t>Algorithmia</a:t>
-            </a:r>
-            <a:r>
-              <a:rPr lang="en-US" dirty="0"/>
-              <a:t>: </a:t>
-            </a:r>
-          </a:p>
-          <a:p>
-            <a:pPr marL="0" indent="0">
-              <a:buNone/>
-            </a:pPr>
-            <a:r>
-              <a:rPr lang="en-US" dirty="0"/>
-              <a:t>	https://blog.algorithmia.com/introduction-to-deep-learning/</a:t>
-            </a:r>
-          </a:p>
-        </p:txBody>
-      </p:sp>
-    </p:spTree>
-    <p:extLst>
-      <p:ext uri="{BB962C8B-B14F-4D97-AF65-F5344CB8AC3E}">
-        <p14:creationId xmlns:p14="http://schemas.microsoft.com/office/powerpoint/2010/main" val="4045349839"/>
-      </p:ext>
-    </p:extLst>
-  </p:cSld>
-  <p:clrMapOvr>
-    <a:masterClrMapping/>
-  </p:clrMapOvr>
-</p:sld>
-</file>
-
-<file path=ppt/slides/slide39.xml><?xml version="1.0" encoding="utf-8"?>
-<p:sld xmlns:a="http://schemas.openxmlformats.org/drawingml/2006/main" xmlns:r="http://schemas.openxmlformats.org/officeDocument/2006/relationships" xmlns:p="http://schemas.openxmlformats.org/presentationml/2006/main">
-  <p:cSld>
-    <p:spTree>
-      <p:nvGrpSpPr>
-        <p:cNvPr id="1" name=""/>
-        <p:cNvGrpSpPr/>
-        <p:nvPr/>
-      </p:nvGrpSpPr>
-      <p:grpSpPr>
-        <a:xfrm>
-          <a:off x="0" y="0"/>
-          <a:ext cx="0" cy="0"/>
-          <a:chOff x="0" y="0"/>
-          <a:chExt cx="0" cy="0"/>
-        </a:xfrm>
-      </p:grpSpPr>
-      <p:sp>
-        <p:nvSpPr>
-          <p:cNvPr id="2" name="Title 1">
-            <a:extLst>
-              <a:ext uri="{FF2B5EF4-FFF2-40B4-BE49-F238E27FC236}">
-                <a16:creationId xmlns:a16="http://schemas.microsoft.com/office/drawing/2014/main" id="{6902BBD3-1236-4D52-B9A1-AD4DF8D0B35C}"/>
-              </a:ext>
-            </a:extLst>
-          </p:cNvPr>
-          <p:cNvSpPr>
-            <a:spLocks noGrp="1"/>
-          </p:cNvSpPr>
-          <p:nvPr>
-            <p:ph type="title"/>
-          </p:nvPr>
-        </p:nvSpPr>
-        <p:spPr/>
-        <p:txBody>
-          <a:bodyPr/>
-          <a:lstStyle/>
-          <a:p>
-            <a:r>
-              <a:rPr lang="en-US" dirty="0"/>
-              <a:t>References</a:t>
-            </a:r>
-          </a:p>
-        </p:txBody>
-      </p:sp>
-      <p:sp>
-        <p:nvSpPr>
-          <p:cNvPr id="6" name="Content Placeholder 5">
-            <a:extLst>
-              <a:ext uri="{FF2B5EF4-FFF2-40B4-BE49-F238E27FC236}">
-                <a16:creationId xmlns:a16="http://schemas.microsoft.com/office/drawing/2014/main" id="{5E0D9A17-18E2-4773-BAAC-B7CB96EA1CD9}"/>
-              </a:ext>
-            </a:extLst>
-          </p:cNvPr>
-          <p:cNvSpPr>
-            <a:spLocks noGrp="1"/>
-          </p:cNvSpPr>
-          <p:nvPr>
-            <p:ph idx="1"/>
-          </p:nvPr>
-        </p:nvSpPr>
-        <p:spPr>
-          <a:xfrm>
-            <a:off x="838200" y="1825625"/>
-            <a:ext cx="10515600" cy="4667250"/>
-          </a:xfrm>
-        </p:spPr>
-        <p:txBody>
-          <a:bodyPr>
-            <a:normAutofit fontScale="62500" lnSpcReduction="20000"/>
-          </a:bodyPr>
-          <a:lstStyle/>
-          <a:p>
-            <a:pPr marL="0" indent="0">
-              <a:buNone/>
-            </a:pPr>
-            <a:r>
-              <a:rPr lang="en-US" dirty="0"/>
-              <a:t>Duc, N. V. (2011, May 20). </a:t>
-            </a:r>
-            <a:r>
-              <a:rPr lang="en-US" i="1" dirty="0"/>
-              <a:t>Object detection and distance calculation </a:t>
-            </a:r>
-          </a:p>
-          <a:p>
-            <a:pPr marL="0" indent="0">
-              <a:buNone/>
-            </a:pPr>
-            <a:r>
-              <a:rPr lang="en-US" i="1" dirty="0"/>
-              <a:t>	based on stereo vision technique</a:t>
-            </a:r>
-            <a:r>
-              <a:rPr lang="en-US" dirty="0"/>
-              <a:t>. Retrieved from YouTube: </a:t>
-            </a:r>
-          </a:p>
-          <a:p>
-            <a:pPr marL="0" indent="0">
-              <a:buNone/>
-            </a:pPr>
-            <a:r>
-              <a:rPr lang="en-US" dirty="0"/>
-              <a:t>	https://www.youtube.com/watch?v=PR9tlFay0U8</a:t>
-            </a:r>
-          </a:p>
-          <a:p>
-            <a:pPr marL="0" indent="0">
-              <a:buNone/>
-            </a:pPr>
-            <a:endParaRPr lang="en-US" dirty="0"/>
-          </a:p>
-          <a:p>
-            <a:pPr marL="0" indent="0">
-              <a:buNone/>
-            </a:pPr>
-            <a:r>
-              <a:rPr lang="en-US" dirty="0"/>
-              <a:t>Gandhi, R. (2018, May 18). </a:t>
-            </a:r>
-            <a:r>
-              <a:rPr lang="en-US" i="1" dirty="0"/>
-              <a:t>Build Your Own Convolutional Neural Network in </a:t>
-            </a:r>
-          </a:p>
-          <a:p>
-            <a:pPr marL="0" indent="0">
-              <a:buNone/>
-            </a:pPr>
-            <a:r>
-              <a:rPr lang="en-US" i="1" dirty="0"/>
-              <a:t>	5 mins</a:t>
-            </a:r>
-            <a:r>
-              <a:rPr lang="en-US" dirty="0"/>
-              <a:t>. Retrieved from Towards Data Science: </a:t>
-            </a:r>
-          </a:p>
-          <a:p>
-            <a:pPr marL="0" indent="0">
-              <a:buNone/>
-            </a:pPr>
-            <a:r>
-              <a:rPr lang="en-US" dirty="0"/>
-              <a:t>	https://towardsdatascience.com/build-your-own-convolution-neural-</a:t>
-            </a:r>
-          </a:p>
-          <a:p>
-            <a:pPr marL="0" indent="0">
-              <a:buNone/>
-            </a:pPr>
-            <a:r>
-              <a:rPr lang="en-US" dirty="0"/>
-              <a:t>	network-in-5-mins-4217c2cf964f</a:t>
-            </a:r>
-          </a:p>
-          <a:p>
-            <a:pPr marL="0" indent="0">
-              <a:buNone/>
-            </a:pPr>
-            <a:endParaRPr lang="en-US" dirty="0"/>
-          </a:p>
-          <a:p>
-            <a:pPr marL="0" indent="0">
-              <a:buNone/>
-            </a:pPr>
-            <a:r>
-              <a:rPr lang="en-US" dirty="0" err="1"/>
-              <a:t>Girshick</a:t>
-            </a:r>
-            <a:r>
-              <a:rPr lang="en-US" dirty="0"/>
-              <a:t>, R. (2014, September 27). </a:t>
-            </a:r>
-            <a:r>
-              <a:rPr lang="en-US" i="1" dirty="0"/>
-              <a:t>Fast R-CNN</a:t>
-            </a:r>
-            <a:r>
-              <a:rPr lang="en-US" dirty="0"/>
-              <a:t>. (Cornell University) Retrieved from </a:t>
-            </a:r>
-          </a:p>
-          <a:p>
-            <a:pPr marL="0" indent="0">
-              <a:buNone/>
-            </a:pPr>
-            <a:r>
-              <a:rPr lang="en-US" dirty="0"/>
-              <a:t>	arXiv.org: https://arxiv.org/abs/1504.08083</a:t>
-            </a:r>
-          </a:p>
-          <a:p>
-            <a:pPr marL="0" indent="0">
-              <a:buNone/>
-            </a:pPr>
-            <a:endParaRPr lang="en-US" dirty="0"/>
-          </a:p>
-          <a:p>
-            <a:pPr marL="0" indent="0">
-              <a:buNone/>
-            </a:pPr>
-            <a:r>
-              <a:rPr lang="en-US" dirty="0" err="1"/>
-              <a:t>Kaiming</a:t>
-            </a:r>
-            <a:r>
-              <a:rPr lang="en-US" dirty="0"/>
-              <a:t> He, G. G. (2018, January 24). </a:t>
-            </a:r>
-            <a:r>
-              <a:rPr lang="en-US" i="1" dirty="0"/>
-              <a:t>Mask R-CNN</a:t>
-            </a:r>
-            <a:r>
-              <a:rPr lang="en-US" dirty="0"/>
-              <a:t>. (Cornell University) Retrieved from arXiv.org: </a:t>
-            </a:r>
-          </a:p>
-          <a:p>
-            <a:pPr marL="0" indent="0">
-              <a:buNone/>
-            </a:pPr>
-            <a:r>
-              <a:rPr lang="en-US" dirty="0"/>
-              <a:t>	https://arxiv.org/abs/1703.06870</a:t>
-            </a:r>
-          </a:p>
-        </p:txBody>
-      </p:sp>
-    </p:spTree>
-    <p:extLst>
-      <p:ext uri="{BB962C8B-B14F-4D97-AF65-F5344CB8AC3E}">
-        <p14:creationId xmlns:p14="http://schemas.microsoft.com/office/powerpoint/2010/main" val="3467828229"/>
-      </p:ext>
-    </p:extLst>
-  </p:cSld>
-  <p:clrMapOvr>
-    <a:masterClrMapping/>
-  </p:clrMapOvr>
-</p:sld>
-</file>
-
 <file path=ppt/slides/slide4.xml><?xml version="1.0" encoding="utf-8"?>
 <p:sld xmlns:a="http://schemas.openxmlformats.org/drawingml/2006/main" xmlns:r="http://schemas.openxmlformats.org/officeDocument/2006/relationships" xmlns:p="http://schemas.openxmlformats.org/presentationml/2006/main">
   <p:cSld>
@@ -17161,7 +16891,7 @@
           <p:cNvPr id="2" name="Title 1">
             <a:extLst>
               <a:ext uri="{FF2B5EF4-FFF2-40B4-BE49-F238E27FC236}">
-                <a16:creationId xmlns:a16="http://schemas.microsoft.com/office/drawing/2014/main" id="{6902BBD3-1236-4D52-B9A1-AD4DF8D0B35C}"/>
+                <a16:creationId xmlns:a16="http://schemas.microsoft.com/office/drawing/2014/main" id="{690A00E4-37C0-450A-ABCD-4752BC8DDE9C}"/>
               </a:ext>
             </a:extLst>
           </p:cNvPr>
@@ -17179,17 +16909,17 @@
           <a:p>
             <a:r>
               <a:rPr lang="en-US" dirty="0"/>
-              <a:t>References</a:t>
+              <a:t>Acknowledgements</a:t>
             </a:r>
           </a:p>
         </p:txBody>
       </p:sp>
       <p:sp>
         <p:nvSpPr>
-          <p:cNvPr id="6" name="Content Placeholder 5">
+          <p:cNvPr id="3" name="Content Placeholder 2">
             <a:extLst>
               <a:ext uri="{FF2B5EF4-FFF2-40B4-BE49-F238E27FC236}">
-                <a16:creationId xmlns:a16="http://schemas.microsoft.com/office/drawing/2014/main" id="{5E0D9A17-18E2-4773-BAAC-B7CB96EA1CD9}"/>
+                <a16:creationId xmlns:a16="http://schemas.microsoft.com/office/drawing/2014/main" id="{D7AE947C-5B18-4338-B7F6-851BFE33DFD6}"/>
               </a:ext>
             </a:extLst>
           </p:cNvPr>
@@ -17200,172 +16930,37 @@
             <p:ph idx="1"/>
           </p:nvPr>
         </p:nvSpPr>
-        <p:spPr>
-          <a:xfrm>
-            <a:off x="838200" y="1825625"/>
-            <a:ext cx="10515600" cy="4667250"/>
-          </a:xfrm>
-        </p:spPr>
+        <p:spPr/>
         <p:txBody>
-          <a:bodyPr>
-            <a:normAutofit fontScale="62500" lnSpcReduction="20000"/>
-          </a:bodyPr>
+          <a:bodyPr/>
           <a:lstStyle/>
           <a:p>
-            <a:pPr marL="0" indent="0">
-              <a:buNone/>
-            </a:pPr>
             <a:r>
               <a:rPr lang="en-US" dirty="0"/>
-              <a:t>Duc, N. V. (2011, May 20). </a:t>
-            </a:r>
-            <a:r>
-              <a:rPr lang="en-US" i="1" dirty="0"/>
-              <a:t>Object detection and distance calculation </a:t>
-            </a:r>
-          </a:p>
-          <a:p>
-            <a:pPr marL="0" indent="0">
-              <a:buNone/>
-            </a:pPr>
-            <a:r>
-              <a:rPr lang="en-US" i="1" dirty="0"/>
-              <a:t>	based on stereo vision technique</a:t>
+              <a:t>Tad </a:t>
+            </a:r>
+            <a:r>
+              <a:rPr lang="en-US" dirty="0" err="1"/>
+              <a:t>Berkery</a:t>
             </a:r>
             <a:r>
               <a:rPr lang="en-US" dirty="0"/>
-              <a:t>. Retrieved from YouTube: </a:t>
-            </a:r>
-          </a:p>
-          <a:p>
-            <a:pPr marL="0" indent="0">
-              <a:buNone/>
-            </a:pPr>
+              <a:t> – Intern at GMU</a:t>
+            </a:r>
+          </a:p>
+          <a:p>
+            <a:pPr lvl="1"/>
             <a:r>
               <a:rPr lang="en-US" dirty="0"/>
-              <a:t>	https://www.youtube.com/watch?v=PR9tlFay0U8</a:t>
-            </a:r>
-          </a:p>
-          <a:p>
-            <a:pPr marL="0" indent="0">
-              <a:buNone/>
-            </a:pPr>
-            <a:endParaRPr lang="en-US" dirty="0"/>
-          </a:p>
-          <a:p>
-            <a:pPr marL="0" indent="0">
-              <a:buNone/>
-            </a:pPr>
+              <a:t>Tad has helped this team in various ways: helping research </a:t>
+            </a:r>
+            <a:r>
+              <a:rPr lang="en-US" dirty="0" err="1"/>
+              <a:t>TensorBoard</a:t>
+            </a:r>
             <a:r>
               <a:rPr lang="en-US" dirty="0"/>
-              <a:t>Gandhi, R. (2018, May 18). </a:t>
-            </a:r>
-            <a:r>
-              <a:rPr lang="en-US" i="1" dirty="0"/>
-              <a:t>Build Your Own Convolutional Neural Network in </a:t>
-            </a:r>
-          </a:p>
-          <a:p>
-            <a:pPr marL="0" indent="0">
-              <a:buNone/>
-            </a:pPr>
-            <a:r>
-              <a:rPr lang="en-US" i="1" dirty="0"/>
-              <a:t>	5 mins</a:t>
-            </a:r>
-            <a:r>
-              <a:rPr lang="en-US" dirty="0"/>
-              <a:t>. Retrieved from Towards Data Science: </a:t>
-            </a:r>
-          </a:p>
-          <a:p>
-            <a:pPr marL="0" indent="0">
-              <a:buNone/>
-            </a:pPr>
-            <a:r>
-              <a:rPr lang="en-US" dirty="0"/>
-              <a:t>	https://towardsdatascience.com/build-your-own-convolution-neural-</a:t>
-            </a:r>
-          </a:p>
-          <a:p>
-            <a:pPr marL="0" indent="0">
-              <a:buNone/>
-            </a:pPr>
-            <a:r>
-              <a:rPr lang="en-US" dirty="0"/>
-              <a:t>	network-in-5-mins-4217c2cf964f</a:t>
-            </a:r>
-          </a:p>
-          <a:p>
-            <a:pPr marL="0" indent="0">
-              <a:buNone/>
-            </a:pPr>
-            <a:endParaRPr lang="en-US" dirty="0"/>
-          </a:p>
-          <a:p>
-            <a:pPr marL="0" indent="0">
-              <a:buNone/>
-            </a:pPr>
-            <a:r>
-              <a:rPr lang="en-US" dirty="0" err="1"/>
-              <a:t>Girshick</a:t>
-            </a:r>
-            <a:r>
-              <a:rPr lang="en-US" dirty="0"/>
-              <a:t>, R. (2014, September 27). </a:t>
-            </a:r>
-            <a:r>
-              <a:rPr lang="en-US" i="1" dirty="0"/>
-              <a:t>Fast R-CNN</a:t>
-            </a:r>
-            <a:r>
-              <a:rPr lang="en-US" dirty="0"/>
-              <a:t>. (Cornell University) Retrieved from </a:t>
-            </a:r>
-          </a:p>
-          <a:p>
-            <a:pPr marL="0" indent="0">
-              <a:buNone/>
-            </a:pPr>
-            <a:r>
-              <a:rPr lang="en-US" dirty="0"/>
-              <a:t>	arXiv.org: https://arxiv.org/abs/1504.08083</a:t>
-            </a:r>
-          </a:p>
-          <a:p>
-            <a:pPr marL="0" indent="0">
-              <a:buNone/>
-            </a:pPr>
-            <a:endParaRPr lang="en-US" dirty="0"/>
-          </a:p>
-          <a:p>
-            <a:pPr marL="0" indent="0">
-              <a:buNone/>
-            </a:pPr>
-            <a:r>
-              <a:rPr lang="en-US" dirty="0" err="1"/>
-              <a:t>Kaiming</a:t>
-            </a:r>
-            <a:r>
-              <a:rPr lang="en-US" dirty="0"/>
-              <a:t> He, G. G. (2018, January 24). </a:t>
-            </a:r>
-            <a:r>
-              <a:rPr lang="en-US" i="1" dirty="0"/>
-              <a:t>Mask R-CNN</a:t>
-            </a:r>
-            <a:r>
-              <a:rPr lang="en-US" dirty="0"/>
-              <a:t>. (Cornell University) Retrieved from arXiv.org: </a:t>
-            </a:r>
-          </a:p>
-          <a:p>
-            <a:pPr marL="0" indent="0">
-              <a:buNone/>
-            </a:pPr>
-            <a:r>
-              <a:rPr lang="en-US" dirty="0"/>
-              <a:t>	https://arxiv.org/abs/1703.06870</a:t>
+              <a:t>, organize and enrich content in PowerPoint as well as the Final report.  He has been an enthusiastic participant, always raising his hand to help the team out with various tasks.</a:t>
             </a:r>
           </a:p>
         </p:txBody>
@@ -17373,7 +16968,7 @@
     </p:spTree>
     <p:extLst>
       <p:ext uri="{BB962C8B-B14F-4D97-AF65-F5344CB8AC3E}">
-        <p14:creationId xmlns:p14="http://schemas.microsoft.com/office/powerpoint/2010/main" val="3993446766"/>
+        <p14:creationId xmlns:p14="http://schemas.microsoft.com/office/powerpoint/2010/main" val="3143938592"/>
       </p:ext>
     </p:extLst>
   </p:cSld>
@@ -17444,10 +17039,15 @@
             <p:ph idx="1"/>
           </p:nvPr>
         </p:nvSpPr>
-        <p:spPr/>
+        <p:spPr>
+          <a:xfrm>
+            <a:off x="838200" y="1825625"/>
+            <a:ext cx="10515600" cy="4351338"/>
+          </a:xfrm>
+        </p:spPr>
         <p:txBody>
           <a:bodyPr>
-            <a:normAutofit fontScale="77500" lnSpcReduction="20000"/>
+            <a:normAutofit fontScale="62500" lnSpcReduction="20000"/>
           </a:bodyPr>
           <a:lstStyle/>
           <a:p>
@@ -17456,15 +17056,19 @@
             </a:pPr>
             <a:r>
               <a:rPr lang="en-US" dirty="0" err="1"/>
-              <a:t>Kaiming</a:t>
+              <a:t>alexattia</a:t>
             </a:r>
             <a:r>
               <a:rPr lang="en-US" dirty="0"/>
-              <a:t> He, X. Z. (2015, December 10). </a:t>
+              <a:t>. (2018). </a:t>
             </a:r>
             <a:r>
               <a:rPr lang="en-US" i="1" dirty="0"/>
-              <a:t>Deep Residual Learning for </a:t>
+              <a:t>The Simpsons Character Dataset</a:t>
+            </a:r>
+            <a:r>
+              <a:rPr lang="en-US" dirty="0"/>
+              <a:t>. Retrieved from Kaggle: </a:t>
             </a:r>
           </a:p>
           <a:p>
@@ -17472,21 +17076,8 @@
               <a:buNone/>
             </a:pPr>
             <a:r>
-              <a:rPr lang="en-US" i="1" dirty="0"/>
-              <a:t>	Image Recognition</a:t>
-            </a:r>
-            <a:r>
               <a:rPr lang="en-US" dirty="0"/>
-              <a:t>. Retrieved from arXiv.org: </a:t>
-            </a:r>
-          </a:p>
-          <a:p>
-            <a:pPr marL="0" indent="0">
-              <a:buNone/>
-            </a:pPr>
-            <a:r>
-              <a:rPr lang="en-US" dirty="0"/>
-              <a:t>	https://arxiv.org/abs/1512.03385</a:t>
+              <a:t>	https://www.kaggle.com/alexattia/the-simpsons-characters-dataset</a:t>
             </a:r>
           </a:p>
           <a:p>
@@ -17501,11 +17092,15 @@
             </a:pPr>
             <a:r>
               <a:rPr lang="en-US" dirty="0"/>
-              <a:t>Madrigal, A. C. (2012, September 6). </a:t>
+              <a:t>Brownlee, J. (2017, August 21). </a:t>
             </a:r>
             <a:r>
               <a:rPr lang="en-US" i="1" dirty="0"/>
-              <a:t>How Google Builds Its Maps—and </a:t>
+              <a:t>CNN Long Short-Term Memory Networks</a:t>
+            </a:r>
+            <a:r>
+              <a:rPr lang="en-US" dirty="0"/>
+              <a:t>. Retrieved </a:t>
             </a:r>
           </a:p>
           <a:p>
@@ -17513,12 +17108,8 @@
               <a:buNone/>
             </a:pPr>
             <a:r>
-              <a:rPr lang="en-US" i="1" dirty="0"/>
-              <a:t>	What It Means for the Future of Everything</a:t>
-            </a:r>
-            <a:r>
               <a:rPr lang="en-US" dirty="0"/>
-              <a:t>. Retrieved from The </a:t>
+              <a:t>	from Machine Learning Mastery: https://machinelearningmastery.com/cnn-</a:t>
             </a:r>
           </a:p>
           <a:p>
@@ -17527,25 +17118,7 @@
             </a:pPr>
             <a:r>
               <a:rPr lang="en-US" dirty="0"/>
-              <a:t>	Atlantic: https://www.theatlantic.com/technology/archive/2012</a:t>
-            </a:r>
-          </a:p>
-          <a:p>
-            <a:pPr marL="0" indent="0">
-              <a:buNone/>
-            </a:pPr>
-            <a:r>
-              <a:rPr lang="en-US" dirty="0"/>
-              <a:t>	/09/how-google-builds-its-maps-and-what-it-means-for-the-</a:t>
-            </a:r>
-          </a:p>
-          <a:p>
-            <a:pPr marL="0" indent="0">
-              <a:buNone/>
-            </a:pPr>
-            <a:r>
-              <a:rPr lang="en-US" dirty="0"/>
-              <a:t>	future-of-everything/261913/</a:t>
+              <a:t>	long-short-term-memory-networks/</a:t>
             </a:r>
           </a:p>
           <a:p>
@@ -17560,19 +17133,19 @@
             </a:pPr>
             <a:r>
               <a:rPr lang="en-US" dirty="0" err="1"/>
-              <a:t>qqwweee</a:t>
+              <a:t>Chollet</a:t>
             </a:r>
             <a:r>
               <a:rPr lang="en-US" dirty="0"/>
-              <a:t>. (2018, April 2). </a:t>
+              <a:t>, F. (2016, June 5). </a:t>
             </a:r>
             <a:r>
               <a:rPr lang="en-US" i="1" dirty="0"/>
-              <a:t>keras-yolo3</a:t>
+              <a:t>Building powerful image classification models using very little data</a:t>
             </a:r>
             <a:r>
               <a:rPr lang="en-US" dirty="0"/>
-              <a:t>. Retrieved from GitHub: </a:t>
+              <a:t>. </a:t>
             </a:r>
           </a:p>
           <a:p>
@@ -17581,7 +17154,24 @@
             </a:pPr>
             <a:r>
               <a:rPr lang="en-US" dirty="0"/>
-              <a:t>	https://github.com/qqwweee/keras-yolo3</a:t>
+              <a:t>	Retrieved from The </a:t>
+            </a:r>
+            <a:r>
+              <a:rPr lang="en-US" dirty="0" err="1"/>
+              <a:t>Keras</a:t>
+            </a:r>
+            <a:r>
+              <a:rPr lang="en-US" dirty="0"/>
+              <a:t> Blog: https://blog.keras.io/building-powerful-image-</a:t>
+            </a:r>
+          </a:p>
+          <a:p>
+            <a:pPr marL="0" indent="0">
+              <a:buNone/>
+            </a:pPr>
+            <a:r>
+              <a:rPr lang="en-US" dirty="0"/>
+              <a:t>	classification-models-using-very-little-data.html</a:t>
             </a:r>
           </a:p>
           <a:p>
@@ -17594,26 +17184,42 @@
             <a:pPr marL="0" indent="0">
               <a:buNone/>
             </a:pPr>
-            <a:endParaRPr lang="en-US" dirty="0"/>
+            <a:r>
+              <a:rPr lang="en-US" dirty="0"/>
+              <a:t>Crawford, C. (2016, November 4). </a:t>
+            </a:r>
+            <a:r>
+              <a:rPr lang="en-US" i="1" dirty="0"/>
+              <a:t>An Introduction to Deep Learning</a:t>
+            </a:r>
+            <a:r>
+              <a:rPr lang="en-US" dirty="0"/>
+              <a:t>. Retrieved from </a:t>
+            </a:r>
+            <a:r>
+              <a:rPr lang="en-US" dirty="0" err="1"/>
+              <a:t>Algorithmia</a:t>
+            </a:r>
+            <a:r>
+              <a:rPr lang="en-US" dirty="0"/>
+              <a:t>: </a:t>
+            </a:r>
           </a:p>
           <a:p>
             <a:pPr marL="0" indent="0">
               <a:buNone/>
             </a:pPr>
-            <a:endParaRPr lang="en-US" dirty="0"/>
-          </a:p>
-          <a:p>
-            <a:pPr marL="0" indent="0">
-              <a:buNone/>
-            </a:pPr>
-            <a:endParaRPr lang="en-US" dirty="0"/>
+            <a:r>
+              <a:rPr lang="en-US" dirty="0"/>
+              <a:t>	https://blog.algorithmia.com/introduction-to-deep-learning/</a:t>
+            </a:r>
           </a:p>
         </p:txBody>
       </p:sp>
     </p:spTree>
     <p:extLst>
       <p:ext uri="{BB962C8B-B14F-4D97-AF65-F5344CB8AC3E}">
-        <p14:creationId xmlns:p14="http://schemas.microsoft.com/office/powerpoint/2010/main" val="3617373420"/>
+        <p14:creationId xmlns:p14="http://schemas.microsoft.com/office/powerpoint/2010/main" val="4045349839"/>
       </p:ext>
     </p:extLst>
   </p:cSld>
@@ -17684,10 +17290,15 @@
             <p:ph idx="1"/>
           </p:nvPr>
         </p:nvSpPr>
-        <p:spPr/>
+        <p:spPr>
+          <a:xfrm>
+            <a:off x="838200" y="1825625"/>
+            <a:ext cx="10515600" cy="4667250"/>
+          </a:xfrm>
+        </p:spPr>
         <p:txBody>
           <a:bodyPr>
-            <a:normAutofit fontScale="70000" lnSpcReduction="20000"/>
+            <a:normAutofit fontScale="62500" lnSpcReduction="20000"/>
           </a:bodyPr>
           <a:lstStyle/>
           <a:p>
@@ -17696,19 +17307,11 @@
             </a:pPr>
             <a:r>
               <a:rPr lang="en-US" dirty="0"/>
-              <a:t>Ross </a:t>
-            </a:r>
-            <a:r>
-              <a:rPr lang="en-US" dirty="0" err="1"/>
-              <a:t>Girshick</a:t>
-            </a:r>
-            <a:r>
-              <a:rPr lang="en-US" dirty="0"/>
-              <a:t>, J. D. (2014, October 22). </a:t>
+              <a:t>Duc, N. V. (2011, May 20). </a:t>
             </a:r>
             <a:r>
               <a:rPr lang="en-US" i="1" dirty="0"/>
-              <a:t>Rich feature hierarchies for accurate </a:t>
+              <a:t>Object detection and distance calculation </a:t>
             </a:r>
           </a:p>
           <a:p>
@@ -17717,11 +17320,11 @@
             </a:pPr>
             <a:r>
               <a:rPr lang="en-US" i="1" dirty="0"/>
-              <a:t>	object detection and semantic segmentation</a:t>
+              <a:t>	based on stereo vision technique</a:t>
             </a:r>
             <a:r>
               <a:rPr lang="en-US" dirty="0"/>
-              <a:t>. (Cornell University) </a:t>
+              <a:t>. Retrieved from YouTube: </a:t>
             </a:r>
           </a:p>
           <a:p>
@@ -17730,7 +17333,7 @@
             </a:pPr>
             <a:r>
               <a:rPr lang="en-US" dirty="0"/>
-              <a:t>	Retrieved from arXiv.org: https://arxiv.org/abs/1311.2524</a:t>
+              <a:t>	https://www.youtube.com/watch?v=PR9tlFay0U8</a:t>
             </a:r>
           </a:p>
           <a:p>
@@ -17745,11 +17348,11 @@
             </a:pPr>
             <a:r>
               <a:rPr lang="en-US" dirty="0"/>
-              <a:t>Sarkis, A. (2017, September 19). </a:t>
+              <a:t>Gandhi, R. (2018, May 18). </a:t>
             </a:r>
             <a:r>
               <a:rPr lang="en-US" i="1" dirty="0"/>
-              <a:t>Self-Driving Cars: Implementing Real-Time Traffic </a:t>
+              <a:t>Build Your Own Convolutional Neural Network in </a:t>
             </a:r>
           </a:p>
           <a:p>
@@ -17758,11 +17361,11 @@
             </a:pPr>
             <a:r>
               <a:rPr lang="en-US" i="1" dirty="0"/>
-              <a:t>	Light Detection and Classification in 2017</a:t>
+              <a:t>	5 mins</a:t>
             </a:r>
             <a:r>
               <a:rPr lang="en-US" dirty="0"/>
-              <a:t>. Retrieved July 27, 2019, from </a:t>
+              <a:t>. Retrieved from Towards Data Science: </a:t>
             </a:r>
           </a:p>
           <a:p>
@@ -17771,7 +17374,7 @@
             </a:pPr>
             <a:r>
               <a:rPr lang="en-US" dirty="0"/>
-              <a:t>	Medium: https://medium.com/@anthony_sarkis/self-driving-cars-implementing-</a:t>
+              <a:t>	https://towardsdatascience.com/build-your-own-convolution-neural-</a:t>
             </a:r>
           </a:p>
           <a:p>
@@ -17780,7 +17383,7 @@
             </a:pPr>
             <a:r>
               <a:rPr lang="en-US" dirty="0"/>
-              <a:t>	real-time-traffic-light-detection-and-classification-in-2017-7d9ae8df1c58</a:t>
+              <a:t>	network-in-5-mins-4217c2cf964f</a:t>
             </a:r>
           </a:p>
           <a:p>
@@ -17795,15 +17398,19 @@
             </a:pPr>
             <a:r>
               <a:rPr lang="en-US" dirty="0" err="1"/>
-              <a:t>Shaoqing</a:t>
+              <a:t>Girshick</a:t>
             </a:r>
             <a:r>
               <a:rPr lang="en-US" dirty="0"/>
-              <a:t> Ren, K. H. (2016, January 6). </a:t>
+              <a:t>, R. (2014, September 27). </a:t>
             </a:r>
             <a:r>
               <a:rPr lang="en-US" i="1" dirty="0"/>
-              <a:t>Faster R-CNN: Towards Real-Time Object Detection with </a:t>
+              <a:t>Fast R-CNN</a:t>
+            </a:r>
+            <a:r>
+              <a:rPr lang="en-US" dirty="0"/>
+              <a:t>. (Cornell University) Retrieved from </a:t>
             </a:r>
           </a:p>
           <a:p>
@@ -17811,21 +17418,44 @@
               <a:buNone/>
             </a:pPr>
             <a:r>
-              <a:rPr lang="en-US" i="1" dirty="0"/>
-              <a:t>	Region Proposal Networks</a:t>
-            </a:r>
-            <a:r>
               <a:rPr lang="en-US" dirty="0"/>
-              <a:t>. (Cornell University) Retrieved from arXiv.org: </a:t>
+              <a:t>	arXiv.org: https://arxiv.org/abs/1504.08083</a:t>
             </a:r>
           </a:p>
           <a:p>
             <a:pPr marL="0" indent="0">
               <a:buNone/>
             </a:pPr>
+            <a:endParaRPr lang="en-US" dirty="0"/>
+          </a:p>
+          <a:p>
+            <a:pPr marL="0" indent="0">
+              <a:buNone/>
+            </a:pPr>
+            <a:r>
+              <a:rPr lang="en-US" dirty="0" err="1"/>
+              <a:t>Kaiming</a:t>
+            </a:r>
             <a:r>
               <a:rPr lang="en-US" dirty="0"/>
-              <a:t>	https://arxiv.org/abs/1506.01497</a:t>
+              <a:t> He, G. G. (2018, January 24). </a:t>
+            </a:r>
+            <a:r>
+              <a:rPr lang="en-US" i="1" dirty="0"/>
+              <a:t>Mask R-CNN</a:t>
+            </a:r>
+            <a:r>
+              <a:rPr lang="en-US" dirty="0"/>
+              <a:t>. (Cornell University) Retrieved from arXiv.org: </a:t>
+            </a:r>
+          </a:p>
+          <a:p>
+            <a:pPr marL="0" indent="0">
+              <a:buNone/>
+            </a:pPr>
+            <a:r>
+              <a:rPr lang="en-US" dirty="0"/>
+              <a:t>	https://arxiv.org/abs/1703.06870</a:t>
             </a:r>
           </a:p>
         </p:txBody>
@@ -17833,7 +17463,7 @@
     </p:spTree>
     <p:extLst>
       <p:ext uri="{BB962C8B-B14F-4D97-AF65-F5344CB8AC3E}">
-        <p14:creationId xmlns:p14="http://schemas.microsoft.com/office/powerpoint/2010/main" val="8113510"/>
+        <p14:creationId xmlns:p14="http://schemas.microsoft.com/office/powerpoint/2010/main" val="3467828229"/>
       </p:ext>
     </p:extLst>
   </p:cSld>
@@ -17904,6 +17534,710 @@
             <p:ph idx="1"/>
           </p:nvPr>
         </p:nvSpPr>
+        <p:spPr>
+          <a:xfrm>
+            <a:off x="838200" y="1825625"/>
+            <a:ext cx="10515600" cy="4667250"/>
+          </a:xfrm>
+        </p:spPr>
+        <p:txBody>
+          <a:bodyPr>
+            <a:normAutofit fontScale="62500" lnSpcReduction="20000"/>
+          </a:bodyPr>
+          <a:lstStyle/>
+          <a:p>
+            <a:pPr marL="0" indent="0">
+              <a:buNone/>
+            </a:pPr>
+            <a:r>
+              <a:rPr lang="en-US" dirty="0"/>
+              <a:t>Duc, N. V. (2011, May 20). </a:t>
+            </a:r>
+            <a:r>
+              <a:rPr lang="en-US" i="1" dirty="0"/>
+              <a:t>Object detection and distance calculation </a:t>
+            </a:r>
+          </a:p>
+          <a:p>
+            <a:pPr marL="0" indent="0">
+              <a:buNone/>
+            </a:pPr>
+            <a:r>
+              <a:rPr lang="en-US" i="1" dirty="0"/>
+              <a:t>	based on stereo vision technique</a:t>
+            </a:r>
+            <a:r>
+              <a:rPr lang="en-US" dirty="0"/>
+              <a:t>. Retrieved from YouTube: </a:t>
+            </a:r>
+          </a:p>
+          <a:p>
+            <a:pPr marL="0" indent="0">
+              <a:buNone/>
+            </a:pPr>
+            <a:r>
+              <a:rPr lang="en-US" dirty="0"/>
+              <a:t>	https://www.youtube.com/watch?v=PR9tlFay0U8</a:t>
+            </a:r>
+          </a:p>
+          <a:p>
+            <a:pPr marL="0" indent="0">
+              <a:buNone/>
+            </a:pPr>
+            <a:endParaRPr lang="en-US" dirty="0"/>
+          </a:p>
+          <a:p>
+            <a:pPr marL="0" indent="0">
+              <a:buNone/>
+            </a:pPr>
+            <a:r>
+              <a:rPr lang="en-US" dirty="0"/>
+              <a:t>Gandhi, R. (2018, May 18). </a:t>
+            </a:r>
+            <a:r>
+              <a:rPr lang="en-US" i="1" dirty="0"/>
+              <a:t>Build Your Own Convolutional Neural Network in </a:t>
+            </a:r>
+          </a:p>
+          <a:p>
+            <a:pPr marL="0" indent="0">
+              <a:buNone/>
+            </a:pPr>
+            <a:r>
+              <a:rPr lang="en-US" i="1" dirty="0"/>
+              <a:t>	5 mins</a:t>
+            </a:r>
+            <a:r>
+              <a:rPr lang="en-US" dirty="0"/>
+              <a:t>. Retrieved from Towards Data Science: </a:t>
+            </a:r>
+          </a:p>
+          <a:p>
+            <a:pPr marL="0" indent="0">
+              <a:buNone/>
+            </a:pPr>
+            <a:r>
+              <a:rPr lang="en-US" dirty="0"/>
+              <a:t>	https://towardsdatascience.com/build-your-own-convolution-neural-</a:t>
+            </a:r>
+          </a:p>
+          <a:p>
+            <a:pPr marL="0" indent="0">
+              <a:buNone/>
+            </a:pPr>
+            <a:r>
+              <a:rPr lang="en-US" dirty="0"/>
+              <a:t>	network-in-5-mins-4217c2cf964f</a:t>
+            </a:r>
+          </a:p>
+          <a:p>
+            <a:pPr marL="0" indent="0">
+              <a:buNone/>
+            </a:pPr>
+            <a:endParaRPr lang="en-US" dirty="0"/>
+          </a:p>
+          <a:p>
+            <a:pPr marL="0" indent="0">
+              <a:buNone/>
+            </a:pPr>
+            <a:r>
+              <a:rPr lang="en-US" dirty="0" err="1"/>
+              <a:t>Girshick</a:t>
+            </a:r>
+            <a:r>
+              <a:rPr lang="en-US" dirty="0"/>
+              <a:t>, R. (2014, September 27). </a:t>
+            </a:r>
+            <a:r>
+              <a:rPr lang="en-US" i="1" dirty="0"/>
+              <a:t>Fast R-CNN</a:t>
+            </a:r>
+            <a:r>
+              <a:rPr lang="en-US" dirty="0"/>
+              <a:t>. (Cornell University) Retrieved from </a:t>
+            </a:r>
+          </a:p>
+          <a:p>
+            <a:pPr marL="0" indent="0">
+              <a:buNone/>
+            </a:pPr>
+            <a:r>
+              <a:rPr lang="en-US" dirty="0"/>
+              <a:t>	arXiv.org: https://arxiv.org/abs/1504.08083</a:t>
+            </a:r>
+          </a:p>
+          <a:p>
+            <a:pPr marL="0" indent="0">
+              <a:buNone/>
+            </a:pPr>
+            <a:endParaRPr lang="en-US" dirty="0"/>
+          </a:p>
+          <a:p>
+            <a:pPr marL="0" indent="0">
+              <a:buNone/>
+            </a:pPr>
+            <a:r>
+              <a:rPr lang="en-US" dirty="0" err="1"/>
+              <a:t>Kaiming</a:t>
+            </a:r>
+            <a:r>
+              <a:rPr lang="en-US" dirty="0"/>
+              <a:t> He, G. G. (2018, January 24). </a:t>
+            </a:r>
+            <a:r>
+              <a:rPr lang="en-US" i="1" dirty="0"/>
+              <a:t>Mask R-CNN</a:t>
+            </a:r>
+            <a:r>
+              <a:rPr lang="en-US" dirty="0"/>
+              <a:t>. (Cornell University) Retrieved from arXiv.org: </a:t>
+            </a:r>
+          </a:p>
+          <a:p>
+            <a:pPr marL="0" indent="0">
+              <a:buNone/>
+            </a:pPr>
+            <a:r>
+              <a:rPr lang="en-US" dirty="0"/>
+              <a:t>	https://arxiv.org/abs/1703.06870</a:t>
+            </a:r>
+          </a:p>
+        </p:txBody>
+      </p:sp>
+    </p:spTree>
+    <p:extLst>
+      <p:ext uri="{BB962C8B-B14F-4D97-AF65-F5344CB8AC3E}">
+        <p14:creationId xmlns:p14="http://schemas.microsoft.com/office/powerpoint/2010/main" val="3993446766"/>
+      </p:ext>
+    </p:extLst>
+  </p:cSld>
+  <p:clrMapOvr>
+    <a:masterClrMapping/>
+  </p:clrMapOvr>
+</p:sld>
+</file>
+
+<file path=ppt/slides/slide44.xml><?xml version="1.0" encoding="utf-8"?>
+<p:sld xmlns:a="http://schemas.openxmlformats.org/drawingml/2006/main" xmlns:r="http://schemas.openxmlformats.org/officeDocument/2006/relationships" xmlns:p="http://schemas.openxmlformats.org/presentationml/2006/main">
+  <p:cSld>
+    <p:spTree>
+      <p:nvGrpSpPr>
+        <p:cNvPr id="1" name=""/>
+        <p:cNvGrpSpPr/>
+        <p:nvPr/>
+      </p:nvGrpSpPr>
+      <p:grpSpPr>
+        <a:xfrm>
+          <a:off x="0" y="0"/>
+          <a:ext cx="0" cy="0"/>
+          <a:chOff x="0" y="0"/>
+          <a:chExt cx="0" cy="0"/>
+        </a:xfrm>
+      </p:grpSpPr>
+      <p:sp>
+        <p:nvSpPr>
+          <p:cNvPr id="2" name="Title 1">
+            <a:extLst>
+              <a:ext uri="{FF2B5EF4-FFF2-40B4-BE49-F238E27FC236}">
+                <a16:creationId xmlns:a16="http://schemas.microsoft.com/office/drawing/2014/main" id="{6902BBD3-1236-4D52-B9A1-AD4DF8D0B35C}"/>
+              </a:ext>
+            </a:extLst>
+          </p:cNvPr>
+          <p:cNvSpPr>
+            <a:spLocks noGrp="1"/>
+          </p:cNvSpPr>
+          <p:nvPr>
+            <p:ph type="title"/>
+          </p:nvPr>
+        </p:nvSpPr>
+        <p:spPr/>
+        <p:txBody>
+          <a:bodyPr/>
+          <a:lstStyle/>
+          <a:p>
+            <a:r>
+              <a:rPr lang="en-US" dirty="0"/>
+              <a:t>References</a:t>
+            </a:r>
+          </a:p>
+        </p:txBody>
+      </p:sp>
+      <p:sp>
+        <p:nvSpPr>
+          <p:cNvPr id="6" name="Content Placeholder 5">
+            <a:extLst>
+              <a:ext uri="{FF2B5EF4-FFF2-40B4-BE49-F238E27FC236}">
+                <a16:creationId xmlns:a16="http://schemas.microsoft.com/office/drawing/2014/main" id="{5E0D9A17-18E2-4773-BAAC-B7CB96EA1CD9}"/>
+              </a:ext>
+            </a:extLst>
+          </p:cNvPr>
+          <p:cNvSpPr>
+            <a:spLocks noGrp="1"/>
+          </p:cNvSpPr>
+          <p:nvPr>
+            <p:ph idx="1"/>
+          </p:nvPr>
+        </p:nvSpPr>
+        <p:spPr/>
+        <p:txBody>
+          <a:bodyPr>
+            <a:normAutofit fontScale="77500" lnSpcReduction="20000"/>
+          </a:bodyPr>
+          <a:lstStyle/>
+          <a:p>
+            <a:pPr marL="0" indent="0">
+              <a:buNone/>
+            </a:pPr>
+            <a:r>
+              <a:rPr lang="en-US" dirty="0" err="1"/>
+              <a:t>Kaiming</a:t>
+            </a:r>
+            <a:r>
+              <a:rPr lang="en-US" dirty="0"/>
+              <a:t> He, X. Z. (2015, December 10). </a:t>
+            </a:r>
+            <a:r>
+              <a:rPr lang="en-US" i="1" dirty="0"/>
+              <a:t>Deep Residual Learning for </a:t>
+            </a:r>
+          </a:p>
+          <a:p>
+            <a:pPr marL="0" indent="0">
+              <a:buNone/>
+            </a:pPr>
+            <a:r>
+              <a:rPr lang="en-US" i="1" dirty="0"/>
+              <a:t>	Image Recognition</a:t>
+            </a:r>
+            <a:r>
+              <a:rPr lang="en-US" dirty="0"/>
+              <a:t>. Retrieved from arXiv.org: </a:t>
+            </a:r>
+          </a:p>
+          <a:p>
+            <a:pPr marL="0" indent="0">
+              <a:buNone/>
+            </a:pPr>
+            <a:r>
+              <a:rPr lang="en-US" dirty="0"/>
+              <a:t>	https://arxiv.org/abs/1512.03385</a:t>
+            </a:r>
+          </a:p>
+          <a:p>
+            <a:pPr marL="0" indent="0">
+              <a:buNone/>
+            </a:pPr>
+            <a:endParaRPr lang="en-US" dirty="0"/>
+          </a:p>
+          <a:p>
+            <a:pPr marL="0" indent="0">
+              <a:buNone/>
+            </a:pPr>
+            <a:r>
+              <a:rPr lang="en-US" dirty="0"/>
+              <a:t>Madrigal, A. C. (2012, September 6). </a:t>
+            </a:r>
+            <a:r>
+              <a:rPr lang="en-US" i="1" dirty="0"/>
+              <a:t>How Google Builds Its Maps—and </a:t>
+            </a:r>
+          </a:p>
+          <a:p>
+            <a:pPr marL="0" indent="0">
+              <a:buNone/>
+            </a:pPr>
+            <a:r>
+              <a:rPr lang="en-US" i="1" dirty="0"/>
+              <a:t>	What It Means for the Future of Everything</a:t>
+            </a:r>
+            <a:r>
+              <a:rPr lang="en-US" dirty="0"/>
+              <a:t>. Retrieved from The </a:t>
+            </a:r>
+          </a:p>
+          <a:p>
+            <a:pPr marL="0" indent="0">
+              <a:buNone/>
+            </a:pPr>
+            <a:r>
+              <a:rPr lang="en-US" dirty="0"/>
+              <a:t>	Atlantic: https://www.theatlantic.com/technology/archive/2012</a:t>
+            </a:r>
+          </a:p>
+          <a:p>
+            <a:pPr marL="0" indent="0">
+              <a:buNone/>
+            </a:pPr>
+            <a:r>
+              <a:rPr lang="en-US" dirty="0"/>
+              <a:t>	/09/how-google-builds-its-maps-and-what-it-means-for-the-</a:t>
+            </a:r>
+          </a:p>
+          <a:p>
+            <a:pPr marL="0" indent="0">
+              <a:buNone/>
+            </a:pPr>
+            <a:r>
+              <a:rPr lang="en-US" dirty="0"/>
+              <a:t>	future-of-everything/261913/</a:t>
+            </a:r>
+          </a:p>
+          <a:p>
+            <a:pPr marL="0" indent="0">
+              <a:buNone/>
+            </a:pPr>
+            <a:endParaRPr lang="en-US" dirty="0"/>
+          </a:p>
+          <a:p>
+            <a:pPr marL="0" indent="0">
+              <a:buNone/>
+            </a:pPr>
+            <a:r>
+              <a:rPr lang="en-US" dirty="0" err="1"/>
+              <a:t>qqwweee</a:t>
+            </a:r>
+            <a:r>
+              <a:rPr lang="en-US" dirty="0"/>
+              <a:t>. (2018, April 2). </a:t>
+            </a:r>
+            <a:r>
+              <a:rPr lang="en-US" i="1" dirty="0"/>
+              <a:t>keras-yolo3</a:t>
+            </a:r>
+            <a:r>
+              <a:rPr lang="en-US" dirty="0"/>
+              <a:t>. Retrieved from GitHub: </a:t>
+            </a:r>
+          </a:p>
+          <a:p>
+            <a:pPr marL="0" indent="0">
+              <a:buNone/>
+            </a:pPr>
+            <a:r>
+              <a:rPr lang="en-US" dirty="0"/>
+              <a:t>	https://github.com/qqwweee/keras-yolo3</a:t>
+            </a:r>
+          </a:p>
+          <a:p>
+            <a:pPr marL="0" indent="0">
+              <a:buNone/>
+            </a:pPr>
+            <a:endParaRPr lang="en-US" dirty="0"/>
+          </a:p>
+          <a:p>
+            <a:pPr marL="0" indent="0">
+              <a:buNone/>
+            </a:pPr>
+            <a:endParaRPr lang="en-US" dirty="0"/>
+          </a:p>
+          <a:p>
+            <a:pPr marL="0" indent="0">
+              <a:buNone/>
+            </a:pPr>
+            <a:endParaRPr lang="en-US" dirty="0"/>
+          </a:p>
+          <a:p>
+            <a:pPr marL="0" indent="0">
+              <a:buNone/>
+            </a:pPr>
+            <a:endParaRPr lang="en-US" dirty="0"/>
+          </a:p>
+        </p:txBody>
+      </p:sp>
+    </p:spTree>
+    <p:extLst>
+      <p:ext uri="{BB962C8B-B14F-4D97-AF65-F5344CB8AC3E}">
+        <p14:creationId xmlns:p14="http://schemas.microsoft.com/office/powerpoint/2010/main" val="3617373420"/>
+      </p:ext>
+    </p:extLst>
+  </p:cSld>
+  <p:clrMapOvr>
+    <a:masterClrMapping/>
+  </p:clrMapOvr>
+</p:sld>
+</file>
+
+<file path=ppt/slides/slide45.xml><?xml version="1.0" encoding="utf-8"?>
+<p:sld xmlns:a="http://schemas.openxmlformats.org/drawingml/2006/main" xmlns:r="http://schemas.openxmlformats.org/officeDocument/2006/relationships" xmlns:p="http://schemas.openxmlformats.org/presentationml/2006/main">
+  <p:cSld>
+    <p:spTree>
+      <p:nvGrpSpPr>
+        <p:cNvPr id="1" name=""/>
+        <p:cNvGrpSpPr/>
+        <p:nvPr/>
+      </p:nvGrpSpPr>
+      <p:grpSpPr>
+        <a:xfrm>
+          <a:off x="0" y="0"/>
+          <a:ext cx="0" cy="0"/>
+          <a:chOff x="0" y="0"/>
+          <a:chExt cx="0" cy="0"/>
+        </a:xfrm>
+      </p:grpSpPr>
+      <p:sp>
+        <p:nvSpPr>
+          <p:cNvPr id="2" name="Title 1">
+            <a:extLst>
+              <a:ext uri="{FF2B5EF4-FFF2-40B4-BE49-F238E27FC236}">
+                <a16:creationId xmlns:a16="http://schemas.microsoft.com/office/drawing/2014/main" id="{6902BBD3-1236-4D52-B9A1-AD4DF8D0B35C}"/>
+              </a:ext>
+            </a:extLst>
+          </p:cNvPr>
+          <p:cNvSpPr>
+            <a:spLocks noGrp="1"/>
+          </p:cNvSpPr>
+          <p:nvPr>
+            <p:ph type="title"/>
+          </p:nvPr>
+        </p:nvSpPr>
+        <p:spPr/>
+        <p:txBody>
+          <a:bodyPr/>
+          <a:lstStyle/>
+          <a:p>
+            <a:r>
+              <a:rPr lang="en-US" dirty="0"/>
+              <a:t>References</a:t>
+            </a:r>
+          </a:p>
+        </p:txBody>
+      </p:sp>
+      <p:sp>
+        <p:nvSpPr>
+          <p:cNvPr id="6" name="Content Placeholder 5">
+            <a:extLst>
+              <a:ext uri="{FF2B5EF4-FFF2-40B4-BE49-F238E27FC236}">
+                <a16:creationId xmlns:a16="http://schemas.microsoft.com/office/drawing/2014/main" id="{5E0D9A17-18E2-4773-BAAC-B7CB96EA1CD9}"/>
+              </a:ext>
+            </a:extLst>
+          </p:cNvPr>
+          <p:cNvSpPr>
+            <a:spLocks noGrp="1"/>
+          </p:cNvSpPr>
+          <p:nvPr>
+            <p:ph idx="1"/>
+          </p:nvPr>
+        </p:nvSpPr>
+        <p:spPr/>
+        <p:txBody>
+          <a:bodyPr>
+            <a:normAutofit fontScale="70000" lnSpcReduction="20000"/>
+          </a:bodyPr>
+          <a:lstStyle/>
+          <a:p>
+            <a:pPr marL="0" indent="0">
+              <a:buNone/>
+            </a:pPr>
+            <a:r>
+              <a:rPr lang="en-US" dirty="0"/>
+              <a:t>Ross </a:t>
+            </a:r>
+            <a:r>
+              <a:rPr lang="en-US" dirty="0" err="1"/>
+              <a:t>Girshick</a:t>
+            </a:r>
+            <a:r>
+              <a:rPr lang="en-US" dirty="0"/>
+              <a:t>, J. D. (2014, October 22). </a:t>
+            </a:r>
+            <a:r>
+              <a:rPr lang="en-US" i="1" dirty="0"/>
+              <a:t>Rich feature hierarchies for accurate </a:t>
+            </a:r>
+          </a:p>
+          <a:p>
+            <a:pPr marL="0" indent="0">
+              <a:buNone/>
+            </a:pPr>
+            <a:r>
+              <a:rPr lang="en-US" i="1" dirty="0"/>
+              <a:t>	object detection and semantic segmentation</a:t>
+            </a:r>
+            <a:r>
+              <a:rPr lang="en-US" dirty="0"/>
+              <a:t>. (Cornell University) </a:t>
+            </a:r>
+          </a:p>
+          <a:p>
+            <a:pPr marL="0" indent="0">
+              <a:buNone/>
+            </a:pPr>
+            <a:r>
+              <a:rPr lang="en-US" dirty="0"/>
+              <a:t>	Retrieved from arXiv.org: https://arxiv.org/abs/1311.2524</a:t>
+            </a:r>
+          </a:p>
+          <a:p>
+            <a:pPr marL="0" indent="0">
+              <a:buNone/>
+            </a:pPr>
+            <a:endParaRPr lang="en-US" dirty="0"/>
+          </a:p>
+          <a:p>
+            <a:pPr marL="0" indent="0">
+              <a:buNone/>
+            </a:pPr>
+            <a:r>
+              <a:rPr lang="en-US" dirty="0"/>
+              <a:t>Sarkis, A. (2017, September 19). </a:t>
+            </a:r>
+            <a:r>
+              <a:rPr lang="en-US" i="1" dirty="0"/>
+              <a:t>Self-Driving Cars: Implementing Real-Time Traffic </a:t>
+            </a:r>
+          </a:p>
+          <a:p>
+            <a:pPr marL="0" indent="0">
+              <a:buNone/>
+            </a:pPr>
+            <a:r>
+              <a:rPr lang="en-US" i="1" dirty="0"/>
+              <a:t>	Light Detection and Classification in 2017</a:t>
+            </a:r>
+            <a:r>
+              <a:rPr lang="en-US" dirty="0"/>
+              <a:t>. Retrieved July 27, 2019, from </a:t>
+            </a:r>
+          </a:p>
+          <a:p>
+            <a:pPr marL="0" indent="0">
+              <a:buNone/>
+            </a:pPr>
+            <a:r>
+              <a:rPr lang="en-US" dirty="0"/>
+              <a:t>	Medium: https://medium.com/@anthony_sarkis/self-driving-cars-implementing-</a:t>
+            </a:r>
+          </a:p>
+          <a:p>
+            <a:pPr marL="0" indent="0">
+              <a:buNone/>
+            </a:pPr>
+            <a:r>
+              <a:rPr lang="en-US" dirty="0"/>
+              <a:t>	real-time-traffic-light-detection-and-classification-in-2017-7d9ae8df1c58</a:t>
+            </a:r>
+          </a:p>
+          <a:p>
+            <a:pPr marL="0" indent="0">
+              <a:buNone/>
+            </a:pPr>
+            <a:endParaRPr lang="en-US" dirty="0"/>
+          </a:p>
+          <a:p>
+            <a:pPr marL="0" indent="0">
+              <a:buNone/>
+            </a:pPr>
+            <a:r>
+              <a:rPr lang="en-US" dirty="0" err="1"/>
+              <a:t>Shaoqing</a:t>
+            </a:r>
+            <a:r>
+              <a:rPr lang="en-US" dirty="0"/>
+              <a:t> Ren, K. H. (2016, January 6). </a:t>
+            </a:r>
+            <a:r>
+              <a:rPr lang="en-US" i="1" dirty="0"/>
+              <a:t>Faster R-CNN: Towards Real-Time Object Detection with </a:t>
+            </a:r>
+          </a:p>
+          <a:p>
+            <a:pPr marL="0" indent="0">
+              <a:buNone/>
+            </a:pPr>
+            <a:r>
+              <a:rPr lang="en-US" i="1" dirty="0"/>
+              <a:t>	Region Proposal Networks</a:t>
+            </a:r>
+            <a:r>
+              <a:rPr lang="en-US" dirty="0"/>
+              <a:t>. (Cornell University) Retrieved from arXiv.org: </a:t>
+            </a:r>
+          </a:p>
+          <a:p>
+            <a:pPr marL="0" indent="0">
+              <a:buNone/>
+            </a:pPr>
+            <a:r>
+              <a:rPr lang="en-US" dirty="0"/>
+              <a:t>	https://arxiv.org/abs/1506.01497</a:t>
+            </a:r>
+          </a:p>
+        </p:txBody>
+      </p:sp>
+    </p:spTree>
+    <p:extLst>
+      <p:ext uri="{BB962C8B-B14F-4D97-AF65-F5344CB8AC3E}">
+        <p14:creationId xmlns:p14="http://schemas.microsoft.com/office/powerpoint/2010/main" val="8113510"/>
+      </p:ext>
+    </p:extLst>
+  </p:cSld>
+  <p:clrMapOvr>
+    <a:masterClrMapping/>
+  </p:clrMapOvr>
+</p:sld>
+</file>
+
+<file path=ppt/slides/slide46.xml><?xml version="1.0" encoding="utf-8"?>
+<p:sld xmlns:a="http://schemas.openxmlformats.org/drawingml/2006/main" xmlns:r="http://schemas.openxmlformats.org/officeDocument/2006/relationships" xmlns:p="http://schemas.openxmlformats.org/presentationml/2006/main">
+  <p:cSld>
+    <p:spTree>
+      <p:nvGrpSpPr>
+        <p:cNvPr id="1" name=""/>
+        <p:cNvGrpSpPr/>
+        <p:nvPr/>
+      </p:nvGrpSpPr>
+      <p:grpSpPr>
+        <a:xfrm>
+          <a:off x="0" y="0"/>
+          <a:ext cx="0" cy="0"/>
+          <a:chOff x="0" y="0"/>
+          <a:chExt cx="0" cy="0"/>
+        </a:xfrm>
+      </p:grpSpPr>
+      <p:sp>
+        <p:nvSpPr>
+          <p:cNvPr id="2" name="Title 1">
+            <a:extLst>
+              <a:ext uri="{FF2B5EF4-FFF2-40B4-BE49-F238E27FC236}">
+                <a16:creationId xmlns:a16="http://schemas.microsoft.com/office/drawing/2014/main" id="{6902BBD3-1236-4D52-B9A1-AD4DF8D0B35C}"/>
+              </a:ext>
+            </a:extLst>
+          </p:cNvPr>
+          <p:cNvSpPr>
+            <a:spLocks noGrp="1"/>
+          </p:cNvSpPr>
+          <p:nvPr>
+            <p:ph type="title"/>
+          </p:nvPr>
+        </p:nvSpPr>
+        <p:spPr/>
+        <p:txBody>
+          <a:bodyPr/>
+          <a:lstStyle/>
+          <a:p>
+            <a:r>
+              <a:rPr lang="en-US" dirty="0"/>
+              <a:t>References</a:t>
+            </a:r>
+          </a:p>
+        </p:txBody>
+      </p:sp>
+      <p:sp>
+        <p:nvSpPr>
+          <p:cNvPr id="6" name="Content Placeholder 5">
+            <a:extLst>
+              <a:ext uri="{FF2B5EF4-FFF2-40B4-BE49-F238E27FC236}">
+                <a16:creationId xmlns:a16="http://schemas.microsoft.com/office/drawing/2014/main" id="{5E0D9A17-18E2-4773-BAAC-B7CB96EA1CD9}"/>
+              </a:ext>
+            </a:extLst>
+          </p:cNvPr>
+          <p:cNvSpPr>
+            <a:spLocks noGrp="1"/>
+          </p:cNvSpPr>
+          <p:nvPr>
+            <p:ph idx="1"/>
+          </p:nvPr>
+        </p:nvSpPr>
         <p:spPr/>
         <p:txBody>
           <a:bodyPr>
@@ -18079,7 +18413,7 @@
 </p:sld>
 </file>
 
-<file path=ppt/slides/slide44.xml><?xml version="1.0" encoding="utf-8"?>
+<file path=ppt/slides/slide47.xml><?xml version="1.0" encoding="utf-8"?>
 <p:sld xmlns:a="http://schemas.openxmlformats.org/drawingml/2006/main" xmlns:r="http://schemas.openxmlformats.org/officeDocument/2006/relationships" xmlns:p="http://schemas.openxmlformats.org/presentationml/2006/main">
   <p:cSld>
     <p:spTree>
@@ -18622,6 +18956,156 @@
 </file>
 
 <file path=ppt/slides/slide7.xml><?xml version="1.0" encoding="utf-8"?>
+<p:sld xmlns:a="http://schemas.openxmlformats.org/drawingml/2006/main" xmlns:r="http://schemas.openxmlformats.org/officeDocument/2006/relationships" xmlns:p="http://schemas.openxmlformats.org/presentationml/2006/main">
+  <p:cSld>
+    <p:spTree>
+      <p:nvGrpSpPr>
+        <p:cNvPr id="1" name=""/>
+        <p:cNvGrpSpPr/>
+        <p:nvPr/>
+      </p:nvGrpSpPr>
+      <p:grpSpPr>
+        <a:xfrm>
+          <a:off x="0" y="0"/>
+          <a:ext cx="0" cy="0"/>
+          <a:chOff x="0" y="0"/>
+          <a:chExt cx="0" cy="0"/>
+        </a:xfrm>
+      </p:grpSpPr>
+      <p:sp>
+        <p:nvSpPr>
+          <p:cNvPr id="2" name="Title 1">
+            <a:extLst>
+              <a:ext uri="{FF2B5EF4-FFF2-40B4-BE49-F238E27FC236}">
+                <a16:creationId xmlns:a16="http://schemas.microsoft.com/office/drawing/2014/main" id="{6902BBD3-1236-4D52-B9A1-AD4DF8D0B35C}"/>
+              </a:ext>
+            </a:extLst>
+          </p:cNvPr>
+          <p:cNvSpPr>
+            <a:spLocks noGrp="1"/>
+          </p:cNvSpPr>
+          <p:nvPr>
+            <p:ph type="ctrTitle"/>
+          </p:nvPr>
+        </p:nvSpPr>
+        <p:spPr>
+          <a:xfrm>
+            <a:off x="328067" y="347571"/>
+            <a:ext cx="11224084" cy="769253"/>
+          </a:xfrm>
+        </p:spPr>
+        <p:txBody>
+          <a:bodyPr>
+            <a:normAutofit/>
+          </a:bodyPr>
+          <a:lstStyle/>
+          <a:p>
+            <a:r>
+              <a:rPr lang="en-US" sz="4800" dirty="0"/>
+              <a:t>Agile – Project plan &amp; Sprint breakdown</a:t>
+            </a:r>
+          </a:p>
+        </p:txBody>
+      </p:sp>
+      <p:pic>
+        <p:nvPicPr>
+          <p:cNvPr id="4" name="Picture 3">
+            <a:extLst>
+              <a:ext uri="{FF2B5EF4-FFF2-40B4-BE49-F238E27FC236}">
+                <a16:creationId xmlns:a16="http://schemas.microsoft.com/office/drawing/2014/main" id="{4ABA4140-8050-4E81-81CD-2C864C64EDC9}"/>
+              </a:ext>
+            </a:extLst>
+          </p:cNvPr>
+          <p:cNvPicPr>
+            <a:picLocks noChangeAspect="1"/>
+          </p:cNvPicPr>
+          <p:nvPr/>
+        </p:nvPicPr>
+        <p:blipFill>
+          <a:blip r:embed="rId2"/>
+          <a:stretch>
+            <a:fillRect/>
+          </a:stretch>
+        </p:blipFill>
+        <p:spPr>
+          <a:xfrm>
+            <a:off x="420546" y="1116824"/>
+            <a:ext cx="11443387" cy="2312176"/>
+          </a:xfrm>
+          <a:prstGeom prst="rect">
+            <a:avLst/>
+          </a:prstGeom>
+        </p:spPr>
+      </p:pic>
+      <p:sp>
+        <p:nvSpPr>
+          <p:cNvPr id="5" name="TextBox 4">
+            <a:extLst>
+              <a:ext uri="{FF2B5EF4-FFF2-40B4-BE49-F238E27FC236}">
+                <a16:creationId xmlns:a16="http://schemas.microsoft.com/office/drawing/2014/main" id="{72DC6E05-E404-4D35-A850-330F16A26C44}"/>
+              </a:ext>
+            </a:extLst>
+          </p:cNvPr>
+          <p:cNvSpPr txBox="1"/>
+          <p:nvPr/>
+        </p:nvSpPr>
+        <p:spPr>
+          <a:xfrm>
+            <a:off x="600891" y="3701143"/>
+            <a:ext cx="4937760" cy="369332"/>
+          </a:xfrm>
+          <a:prstGeom prst="rect">
+            <a:avLst/>
+          </a:prstGeom>
+          <a:noFill/>
+        </p:spPr>
+        <p:txBody>
+          <a:bodyPr wrap="square" rtlCol="0">
+            <a:spAutoFit/>
+          </a:bodyPr>
+          <a:lstStyle/>
+          <a:p>
+            <a:r>
+              <a:rPr lang="en-US" dirty="0">
+                <a:solidFill>
+                  <a:srgbClr val="FF0000"/>
+                </a:solidFill>
+              </a:rPr>
+              <a:t>Add </a:t>
+            </a:r>
+            <a:r>
+              <a:rPr lang="en-US" dirty="0" err="1">
+                <a:solidFill>
+                  <a:srgbClr val="FF0000"/>
+                </a:solidFill>
+              </a:rPr>
+              <a:t>YouTrack</a:t>
+            </a:r>
+            <a:r>
+              <a:rPr lang="en-US" dirty="0">
+                <a:solidFill>
+                  <a:srgbClr val="FF0000"/>
+                </a:solidFill>
+              </a:rPr>
+              <a:t> Report - Manju</a:t>
+            </a:r>
+          </a:p>
+        </p:txBody>
+      </p:sp>
+    </p:spTree>
+    <p:extLst>
+      <p:ext uri="{BB962C8B-B14F-4D97-AF65-F5344CB8AC3E}">
+        <p14:creationId xmlns:p14="http://schemas.microsoft.com/office/powerpoint/2010/main" val="2480390505"/>
+      </p:ext>
+    </p:extLst>
+  </p:cSld>
+  <p:clrMapOvr>
+    <a:masterClrMapping/>
+  </p:clrMapOvr>
+</p:sld>
+</file>
+
+<file path=ppt/slides/slide8.xml><?xml version="1.0" encoding="utf-8"?>
 <p:sld xmlns:a="http://schemas.openxmlformats.org/drawingml/2006/main" xmlns:r="http://schemas.openxmlformats.org/officeDocument/2006/relationships" xmlns:p="http://schemas.openxmlformats.org/presentationml/2006/main">
   <p:cSld>
     <p:spTree>
@@ -21466,7 +21950,7 @@
 </p:sld>
 </file>
 
-<file path=ppt/slides/slide8.xml><?xml version="1.0" encoding="utf-8"?>
+<file path=ppt/slides/slide9.xml><?xml version="1.0" encoding="utf-8"?>
 <p:sld xmlns:a="http://schemas.openxmlformats.org/drawingml/2006/main" xmlns:r="http://schemas.openxmlformats.org/officeDocument/2006/relationships" xmlns:p="http://schemas.openxmlformats.org/presentationml/2006/main">
   <p:cSld>
     <p:spTree>
@@ -21764,282 +22248,6 @@
     <p:extLst>
       <p:ext uri="{BB962C8B-B14F-4D97-AF65-F5344CB8AC3E}">
         <p14:creationId xmlns:p14="http://schemas.microsoft.com/office/powerpoint/2010/main" val="2213946378"/>
-      </p:ext>
-    </p:extLst>
-  </p:cSld>
-  <p:clrMapOvr>
-    <a:masterClrMapping/>
-  </p:clrMapOvr>
-</p:sld>
-</file>
-
-<file path=ppt/slides/slide9.xml><?xml version="1.0" encoding="utf-8"?>
-<p:sld xmlns:a="http://schemas.openxmlformats.org/drawingml/2006/main" xmlns:r="http://schemas.openxmlformats.org/officeDocument/2006/relationships" xmlns:p="http://schemas.openxmlformats.org/presentationml/2006/main">
-  <p:cSld>
-    <p:spTree>
-      <p:nvGrpSpPr>
-        <p:cNvPr id="1" name=""/>
-        <p:cNvGrpSpPr/>
-        <p:nvPr/>
-      </p:nvGrpSpPr>
-      <p:grpSpPr>
-        <a:xfrm>
-          <a:off x="0" y="0"/>
-          <a:ext cx="0" cy="0"/>
-          <a:chOff x="0" y="0"/>
-          <a:chExt cx="0" cy="0"/>
-        </a:xfrm>
-      </p:grpSpPr>
-      <p:sp>
-        <p:nvSpPr>
-          <p:cNvPr id="2" name="Title 1">
-            <a:extLst>
-              <a:ext uri="{FF2B5EF4-FFF2-40B4-BE49-F238E27FC236}">
-                <a16:creationId xmlns:a16="http://schemas.microsoft.com/office/drawing/2014/main" id="{FD715AF7-10FF-4E19-A206-3E8E7C1A3591}"/>
-              </a:ext>
-            </a:extLst>
-          </p:cNvPr>
-          <p:cNvSpPr txBox="1">
-            <a:spLocks/>
-          </p:cNvSpPr>
-          <p:nvPr/>
-        </p:nvSpPr>
-        <p:spPr>
-          <a:xfrm>
-            <a:off x="0" y="0"/>
-            <a:ext cx="3379433" cy="855540"/>
-          </a:xfrm>
-          <a:prstGeom prst="rect">
-            <a:avLst/>
-          </a:prstGeom>
-        </p:spPr>
-        <p:txBody>
-          <a:bodyPr>
-            <a:normAutofit/>
-          </a:bodyPr>
-          <a:lstStyle>
-            <a:lvl1pPr algn="l" defTabSz="914400" rtl="0" eaLnBrk="1" latinLnBrk="0" hangingPunct="1">
-              <a:lnSpc>
-                <a:spcPct val="90000"/>
-              </a:lnSpc>
-              <a:spcBef>
-                <a:spcPct val="0"/>
-              </a:spcBef>
-              <a:buNone/>
-              <a:defRPr sz="4400" kern="1200">
-                <a:solidFill>
-                  <a:schemeClr val="tx1"/>
-                </a:solidFill>
-                <a:latin typeface="+mj-lt"/>
-                <a:ea typeface="+mj-ea"/>
-                <a:cs typeface="+mj-cs"/>
-              </a:defRPr>
-            </a:lvl1pPr>
-          </a:lstStyle>
-          <a:p>
-            <a:r>
-              <a:rPr lang="en-US" sz="4800"/>
-              <a:t>About Data</a:t>
-            </a:r>
-            <a:endParaRPr lang="en-US" sz="4800" dirty="0"/>
-          </a:p>
-        </p:txBody>
-      </p:sp>
-      <p:pic>
-        <p:nvPicPr>
-          <p:cNvPr id="3" name="Picture 2">
-            <a:extLst>
-              <a:ext uri="{FF2B5EF4-FFF2-40B4-BE49-F238E27FC236}">
-                <a16:creationId xmlns:a16="http://schemas.microsoft.com/office/drawing/2014/main" id="{574382F5-D1F5-41BD-B038-B82973325860}"/>
-              </a:ext>
-            </a:extLst>
-          </p:cNvPr>
-          <p:cNvPicPr>
-            <a:picLocks noChangeAspect="1"/>
-          </p:cNvPicPr>
-          <p:nvPr/>
-        </p:nvPicPr>
-        <p:blipFill>
-          <a:blip r:embed="rId2"/>
-          <a:stretch>
-            <a:fillRect/>
-          </a:stretch>
-        </p:blipFill>
-        <p:spPr>
-          <a:xfrm>
-            <a:off x="10218198" y="-79899"/>
-            <a:ext cx="1973802" cy="1571348"/>
-          </a:xfrm>
-          <a:prstGeom prst="ellipse">
-            <a:avLst/>
-          </a:prstGeom>
-          <a:ln>
-            <a:noFill/>
-          </a:ln>
-          <a:effectLst>
-            <a:softEdge rad="112500"/>
-          </a:effectLst>
-        </p:spPr>
-      </p:pic>
-      <p:sp>
-        <p:nvSpPr>
-          <p:cNvPr id="4" name="Rectangle 3">
-            <a:extLst>
-              <a:ext uri="{FF2B5EF4-FFF2-40B4-BE49-F238E27FC236}">
-                <a16:creationId xmlns:a16="http://schemas.microsoft.com/office/drawing/2014/main" id="{A9E75F69-B6A3-42E8-9B41-5D8C6557793E}"/>
-              </a:ext>
-            </a:extLst>
-          </p:cNvPr>
-          <p:cNvSpPr/>
-          <p:nvPr/>
-        </p:nvSpPr>
-        <p:spPr>
-          <a:xfrm>
-            <a:off x="331432" y="845118"/>
-            <a:ext cx="7032753" cy="369332"/>
-          </a:xfrm>
-          <a:prstGeom prst="rect">
-            <a:avLst/>
-          </a:prstGeom>
-        </p:spPr>
-        <p:txBody>
-          <a:bodyPr wrap="square">
-            <a:spAutoFit/>
-          </a:bodyPr>
-          <a:lstStyle/>
-          <a:p>
-            <a:r>
-              <a:rPr lang="en-US" altLang="en-US" dirty="0"/>
-              <a:t>Table showing all characters with over 100 images in the dataset</a:t>
-            </a:r>
-            <a:endParaRPr lang="zh-CN" altLang="en-US" dirty="0"/>
-          </a:p>
-        </p:txBody>
-      </p:sp>
-      <p:pic>
-        <p:nvPicPr>
-          <p:cNvPr id="5" name="Google Shape;157;p18">
-            <a:extLst>
-              <a:ext uri="{FF2B5EF4-FFF2-40B4-BE49-F238E27FC236}">
-                <a16:creationId xmlns:a16="http://schemas.microsoft.com/office/drawing/2014/main" id="{8D059781-72DE-4860-8F0C-928364524C7B}"/>
-              </a:ext>
-            </a:extLst>
-          </p:cNvPr>
-          <p:cNvPicPr preferRelativeResize="0">
-            <a:picLocks noChangeAspect="1" noChangeArrowheads="1"/>
-          </p:cNvPicPr>
-          <p:nvPr/>
-        </p:nvPicPr>
-        <p:blipFill>
-          <a:blip r:embed="rId3">
-            <a:extLst>
-              <a:ext uri="{28A0092B-C50C-407E-A947-70E740481C1C}">
-                <a14:useLocalDpi xmlns:a14="http://schemas.microsoft.com/office/drawing/2010/main" val="0"/>
-              </a:ext>
-            </a:extLst>
-          </a:blip>
-          <a:srcRect r="38589"/>
-          <a:stretch>
-            <a:fillRect/>
-          </a:stretch>
-        </p:blipFill>
-        <p:spPr bwMode="auto">
-          <a:xfrm>
-            <a:off x="6915149" y="1417135"/>
-            <a:ext cx="4302579" cy="5259890"/>
-          </a:xfrm>
-          <a:prstGeom prst="rect">
-            <a:avLst/>
-          </a:prstGeom>
-          <a:noFill/>
-          <a:ln>
-            <a:noFill/>
-          </a:ln>
-          <a:extLst>
-            <a:ext uri="{909E8E84-426E-40DD-AFC4-6F175D3DCCD1}">
-              <a14:hiddenFill xmlns:a14="http://schemas.microsoft.com/office/drawing/2010/main">
-                <a:solidFill>
-                  <a:srgbClr val="FFFFFF"/>
-                </a:solidFill>
-              </a14:hiddenFill>
-            </a:ext>
-            <a:ext uri="{91240B29-F687-4F45-9708-019B960494DF}">
-              <a14:hiddenLine xmlns:a14="http://schemas.microsoft.com/office/drawing/2010/main" w="9525">
-                <a:solidFill>
-                  <a:srgbClr val="000000"/>
-                </a:solidFill>
-                <a:miter lim="800000"/>
-                <a:headEnd/>
-                <a:tailEnd/>
-              </a14:hiddenLine>
-            </a:ext>
-          </a:extLst>
-        </p:spPr>
-      </p:pic>
-      <p:pic>
-        <p:nvPicPr>
-          <p:cNvPr id="6" name="Google Shape;162;p18">
-            <a:extLst>
-              <a:ext uri="{FF2B5EF4-FFF2-40B4-BE49-F238E27FC236}">
-                <a16:creationId xmlns:a16="http://schemas.microsoft.com/office/drawing/2014/main" id="{A960C609-9651-43A1-8CE6-89FF688F6DC4}"/>
-              </a:ext>
-            </a:extLst>
-          </p:cNvPr>
-          <p:cNvPicPr preferRelativeResize="0">
-            <a:picLocks noChangeAspect="1" noChangeArrowheads="1"/>
-          </p:cNvPicPr>
-          <p:nvPr/>
-        </p:nvPicPr>
-        <p:blipFill>
-          <a:blip r:embed="rId4">
-            <a:extLst>
-              <a:ext uri="{28A0092B-C50C-407E-A947-70E740481C1C}">
-                <a14:useLocalDpi xmlns:a14="http://schemas.microsoft.com/office/drawing/2010/main" val="0"/>
-              </a:ext>
-            </a:extLst>
-          </a:blip>
-          <a:srcRect/>
-          <a:stretch>
-            <a:fillRect/>
-          </a:stretch>
-        </p:blipFill>
-        <p:spPr bwMode="auto">
-          <a:xfrm>
-            <a:off x="374650" y="1338943"/>
-            <a:ext cx="6505421" cy="5301570"/>
-          </a:xfrm>
-          <a:prstGeom prst="rect">
-            <a:avLst/>
-          </a:prstGeom>
-          <a:noFill/>
-          <a:ln>
-            <a:noFill/>
-          </a:ln>
-          <a:extLst>
-            <a:ext uri="{909E8E84-426E-40DD-AFC4-6F175D3DCCD1}">
-              <a14:hiddenFill xmlns:a14="http://schemas.microsoft.com/office/drawing/2010/main">
-                <a:solidFill>
-                  <a:srgbClr val="FFFFFF"/>
-                </a:solidFill>
-              </a14:hiddenFill>
-            </a:ext>
-            <a:ext uri="{91240B29-F687-4F45-9708-019B960494DF}">
-              <a14:hiddenLine xmlns:a14="http://schemas.microsoft.com/office/drawing/2010/main" w="9525">
-                <a:solidFill>
-                  <a:srgbClr val="000000"/>
-                </a:solidFill>
-                <a:miter lim="800000"/>
-                <a:headEnd/>
-                <a:tailEnd/>
-              </a14:hiddenLine>
-            </a:ext>
-          </a:extLst>
-        </p:spPr>
-      </p:pic>
-    </p:spTree>
-    <p:extLst>
-      <p:ext uri="{BB962C8B-B14F-4D97-AF65-F5344CB8AC3E}">
-        <p14:creationId xmlns:p14="http://schemas.microsoft.com/office/powerpoint/2010/main" val="1900657542"/>
       </p:ext>
     </p:extLst>
   </p:cSld>
